--- a/Zvýšenie produktivity na pracovisku s použitím prvkov gamifikácie.pptx
+++ b/Zvýšenie produktivity na pracovisku s použitím prvkov gamifikácie.pptx
@@ -6,6 +6,9 @@
   </p:sldMasterIdLst>
   <p:sldIdLst>
     <p:sldId id="256" r:id="rId2"/>
+    <p:sldId id="260" r:id="rId3"/>
+    <p:sldId id="257" r:id="rId4"/>
+    <p:sldId id="258" r:id="rId5"/>
   </p:sldIdLst>
   <p:sldSz cx="12192000" cy="6858000"/>
   <p:notesSz cx="6858000" cy="9144000"/>
@@ -5835,35 +5838,35 @@
           <a:p>
             <a:pPr lvl="0"/>
             <a:r>
-              <a:rPr lang="sk-SK"/>
+              <a:rPr lang="sk-SK" dirty="0"/>
               <a:t>Kliknite sem a upravte štýly predlohy textu</a:t>
             </a:r>
           </a:p>
           <a:p>
             <a:pPr lvl="1"/>
             <a:r>
-              <a:rPr lang="sk-SK"/>
+              <a:rPr lang="sk-SK" dirty="0"/>
               <a:t>Druhá úroveň</a:t>
             </a:r>
           </a:p>
           <a:p>
             <a:pPr lvl="2"/>
             <a:r>
-              <a:rPr lang="sk-SK"/>
+              <a:rPr lang="sk-SK" dirty="0"/>
               <a:t>Tretia úroveň</a:t>
             </a:r>
           </a:p>
           <a:p>
             <a:pPr lvl="3"/>
             <a:r>
-              <a:rPr lang="sk-SK"/>
+              <a:rPr lang="sk-SK" dirty="0"/>
               <a:t>Štvrtá úroveň</a:t>
             </a:r>
           </a:p>
           <a:p>
             <a:pPr lvl="4"/>
             <a:r>
-              <a:rPr lang="sk-SK"/>
+              <a:rPr lang="sk-SK" dirty="0"/>
               <a:t>Piata úroveň</a:t>
             </a:r>
             <a:endParaRPr lang="en-US" dirty="0"/>
@@ -6044,8 +6047,9 @@
         <a:spcBef>
           <a:spcPts val="1000"/>
         </a:spcBef>
-        <a:buFont typeface="Arial" panose="020B0604020202020204" pitchFamily="34" charset="0"/>
-        <a:buChar char="•"/>
+        <a:buSzPct val="60000"/>
+        <a:buFont typeface="Wingdings" panose="05000000000000000000" pitchFamily="2" charset="2"/>
+        <a:buChar char="Ø"/>
         <a:defRPr sz="2200" kern="1200">
           <a:solidFill>
             <a:schemeClr val="tx1"/>
@@ -6062,8 +6066,9 @@
         <a:spcBef>
           <a:spcPts val="500"/>
         </a:spcBef>
-        <a:buFont typeface="Arial" panose="020B0604020202020204" pitchFamily="34" charset="0"/>
-        <a:buChar char="•"/>
+        <a:buSzPct val="60000"/>
+        <a:buFont typeface="Wingdings" panose="05000000000000000000" pitchFamily="2" charset="2"/>
+        <a:buChar char="Ø"/>
         <a:defRPr sz="2000" kern="1200">
           <a:solidFill>
             <a:schemeClr val="tx1"/>
@@ -6080,8 +6085,9 @@
         <a:spcBef>
           <a:spcPts val="500"/>
         </a:spcBef>
-        <a:buFont typeface="Arial" panose="020B0604020202020204" pitchFamily="34" charset="0"/>
-        <a:buChar char="•"/>
+        <a:buSzPct val="60000"/>
+        <a:buFont typeface="Wingdings" panose="05000000000000000000" pitchFamily="2" charset="2"/>
+        <a:buChar char="Ø"/>
         <a:defRPr sz="1800" kern="1200">
           <a:solidFill>
             <a:schemeClr val="tx1"/>
@@ -6098,8 +6104,9 @@
         <a:spcBef>
           <a:spcPts val="500"/>
         </a:spcBef>
-        <a:buFont typeface="Arial" panose="020B0604020202020204" pitchFamily="34" charset="0"/>
-        <a:buChar char="•"/>
+        <a:buSzPct val="60000"/>
+        <a:buFont typeface="Wingdings" panose="05000000000000000000" pitchFamily="2" charset="2"/>
+        <a:buChar char="Ø"/>
         <a:defRPr sz="1600" kern="1200">
           <a:solidFill>
             <a:schemeClr val="tx1"/>
@@ -6116,8 +6123,9 @@
         <a:spcBef>
           <a:spcPts val="500"/>
         </a:spcBef>
-        <a:buFont typeface="Arial" panose="020B0604020202020204" pitchFamily="34" charset="0"/>
-        <a:buChar char="•"/>
+        <a:buSzPct val="60000"/>
+        <a:buFont typeface="Wingdings" panose="05000000000000000000" pitchFamily="2" charset="2"/>
+        <a:buChar char="Ø"/>
         <a:defRPr sz="1600" kern="1200">
           <a:solidFill>
             <a:schemeClr val="tx1"/>
@@ -6424,6 +6432,2752 @@
     <p:extLst>
       <p:ext uri="{BB962C8B-B14F-4D97-AF65-F5344CB8AC3E}">
         <p14:creationId xmlns:p14="http://schemas.microsoft.com/office/powerpoint/2010/main" val="566089410"/>
+      </p:ext>
+    </p:extLst>
+  </p:cSld>
+  <p:clrMapOvr>
+    <a:masterClrMapping/>
+  </p:clrMapOvr>
+</p:sld>
+</file>
+
+<file path=ppt/slides/slide2.xml><?xml version="1.0" encoding="utf-8"?>
+<p:sld xmlns:a="http://schemas.openxmlformats.org/drawingml/2006/main" xmlns:r="http://schemas.openxmlformats.org/officeDocument/2006/relationships" xmlns:p="http://schemas.openxmlformats.org/presentationml/2006/main">
+  <p:cSld>
+    <p:spTree>
+      <p:nvGrpSpPr>
+        <p:cNvPr id="1" name=""/>
+        <p:cNvGrpSpPr/>
+        <p:nvPr/>
+      </p:nvGrpSpPr>
+      <p:grpSpPr>
+        <a:xfrm>
+          <a:off x="0" y="0"/>
+          <a:ext cx="0" cy="0"/>
+          <a:chOff x="0" y="0"/>
+          <a:chExt cx="0" cy="0"/>
+        </a:xfrm>
+      </p:grpSpPr>
+      <p:sp>
+        <p:nvSpPr>
+          <p:cNvPr id="2" name="Nadpis 1">
+            <a:extLst>
+              <a:ext uri="{FF2B5EF4-FFF2-40B4-BE49-F238E27FC236}">
+                <a16:creationId xmlns:a16="http://schemas.microsoft.com/office/drawing/2014/main" id="{ACCF7042-42D8-C047-6865-DFCE51A8D5E7}"/>
+              </a:ext>
+            </a:extLst>
+          </p:cNvPr>
+          <p:cNvSpPr>
+            <a:spLocks noGrp="1"/>
+          </p:cNvSpPr>
+          <p:nvPr>
+            <p:ph type="title"/>
+          </p:nvPr>
+        </p:nvSpPr>
+        <p:spPr/>
+        <p:txBody>
+          <a:bodyPr/>
+          <a:lstStyle/>
+          <a:p>
+            <a:r>
+              <a:rPr lang="sk-SK" dirty="0"/>
+              <a:t>obsah</a:t>
+            </a:r>
+            <a:endParaRPr lang="en-GB" dirty="0"/>
+          </a:p>
+        </p:txBody>
+      </p:sp>
+      <p:sp>
+        <p:nvSpPr>
+          <p:cNvPr id="3" name="Zástupný objekt pre obsah 2">
+            <a:extLst>
+              <a:ext uri="{FF2B5EF4-FFF2-40B4-BE49-F238E27FC236}">
+                <a16:creationId xmlns:a16="http://schemas.microsoft.com/office/drawing/2014/main" id="{581497E6-DFC8-DE8A-4E79-8E76D4915C40}"/>
+              </a:ext>
+            </a:extLst>
+          </p:cNvPr>
+          <p:cNvSpPr>
+            <a:spLocks noGrp="1"/>
+          </p:cNvSpPr>
+          <p:nvPr>
+            <p:ph idx="1"/>
+          </p:nvPr>
+        </p:nvSpPr>
+        <p:spPr/>
+        <p:txBody>
+          <a:bodyPr/>
+          <a:lstStyle/>
+          <a:p>
+            <a:pPr marL="457200" indent="-457200">
+              <a:buFont typeface="+mj-lt"/>
+              <a:buAutoNum type="arabicPeriod"/>
+            </a:pPr>
+            <a:r>
+              <a:rPr lang="sk-SK" dirty="0"/>
+              <a:t>Tabuľka</a:t>
+            </a:r>
+          </a:p>
+          <a:p>
+            <a:pPr marL="457200" indent="-457200">
+              <a:buFont typeface="+mj-lt"/>
+              <a:buAutoNum type="arabicPeriod"/>
+            </a:pPr>
+            <a:r>
+              <a:rPr lang="sk-SK" dirty="0"/>
+              <a:t>Graf</a:t>
+            </a:r>
+          </a:p>
+        </p:txBody>
+      </p:sp>
+    </p:spTree>
+    <p:extLst>
+      <p:ext uri="{BB962C8B-B14F-4D97-AF65-F5344CB8AC3E}">
+        <p14:creationId xmlns:p14="http://schemas.microsoft.com/office/powerpoint/2010/main" val="3624811574"/>
+      </p:ext>
+    </p:extLst>
+  </p:cSld>
+  <p:clrMapOvr>
+    <a:masterClrMapping/>
+  </p:clrMapOvr>
+</p:sld>
+</file>
+
+<file path=ppt/slides/slide3.xml><?xml version="1.0" encoding="utf-8"?>
+<p:sld xmlns:a="http://schemas.openxmlformats.org/drawingml/2006/main" xmlns:r="http://schemas.openxmlformats.org/officeDocument/2006/relationships" xmlns:p="http://schemas.openxmlformats.org/presentationml/2006/main">
+  <p:cSld>
+    <p:bg>
+      <p:bgPr>
+        <a:solidFill>
+          <a:schemeClr val="bg1"/>
+        </a:solidFill>
+        <a:effectLst/>
+      </p:bgPr>
+    </p:bg>
+    <p:spTree>
+      <p:nvGrpSpPr>
+        <p:cNvPr id="1" name=""/>
+        <p:cNvGrpSpPr/>
+        <p:nvPr/>
+      </p:nvGrpSpPr>
+      <p:grpSpPr>
+        <a:xfrm>
+          <a:off x="0" y="0"/>
+          <a:ext cx="0" cy="0"/>
+          <a:chOff x="0" y="0"/>
+          <a:chExt cx="0" cy="0"/>
+        </a:xfrm>
+      </p:grpSpPr>
+      <p:sp>
+        <p:nvSpPr>
+          <p:cNvPr id="10" name="Rounded Rectangle 11">
+            <a:extLst>
+              <a:ext uri="{FF2B5EF4-FFF2-40B4-BE49-F238E27FC236}">
+                <a16:creationId xmlns:a16="http://schemas.microsoft.com/office/drawing/2014/main" id="{2770B5F4-AED0-4A3A-859D-B6239ED38A3B}"/>
+              </a:ext>
+              <a:ext uri="{C183D7F6-B498-43B3-948B-1728B52AA6E4}">
+                <adec:decorative xmlns:adec="http://schemas.microsoft.com/office/drawing/2017/decorative" val="1"/>
+              </a:ext>
+            </a:extLst>
+          </p:cNvPr>
+          <p:cNvSpPr>
+            <a:spLocks noGrp="1" noRot="1" noChangeAspect="1" noMove="1" noResize="1" noEditPoints="1" noAdjustHandles="1" noChangeArrowheads="1" noChangeShapeType="1" noTextEdit="1"/>
+          </p:cNvSpPr>
+          <p:nvPr>
+            <p:extLst>
+              <p:ext uri="{386F3935-93C4-4BCD-93E2-E3B085C9AB24}">
+                <p16:designElem xmlns:p16="http://schemas.microsoft.com/office/powerpoint/2015/main" val="1"/>
+              </p:ext>
+            </p:extLst>
+          </p:nvPr>
+        </p:nvSpPr>
+        <p:spPr>
+          <a:xfrm>
+            <a:off x="643403" y="643464"/>
+            <a:ext cx="10905195" cy="5571072"/>
+          </a:xfrm>
+          <a:prstGeom prst="roundRect">
+            <a:avLst>
+              <a:gd name="adj" fmla="val 2403"/>
+            </a:avLst>
+          </a:prstGeom>
+          <a:solidFill>
+            <a:srgbClr val="FFFFFF"/>
+          </a:solidFill>
+          <a:ln>
+            <a:noFill/>
+          </a:ln>
+          <a:effectLst>
+            <a:innerShdw blurRad="114300">
+              <a:prstClr val="black"/>
+            </a:innerShdw>
+          </a:effectLst>
+        </p:spPr>
+        <p:style>
+          <a:lnRef idx="2">
+            <a:schemeClr val="accent1">
+              <a:shade val="50000"/>
+            </a:schemeClr>
+          </a:lnRef>
+          <a:fillRef idx="1">
+            <a:schemeClr val="accent1"/>
+          </a:fillRef>
+          <a:effectRef idx="0">
+            <a:schemeClr val="accent1"/>
+          </a:effectRef>
+          <a:fontRef idx="minor">
+            <a:schemeClr val="lt1"/>
+          </a:fontRef>
+        </p:style>
+        <p:txBody>
+          <a:bodyPr rtlCol="0" anchor="ctr"/>
+          <a:lstStyle/>
+          <a:p>
+            <a:pPr algn="ctr"/>
+            <a:endParaRPr lang="en-US"/>
+          </a:p>
+        </p:txBody>
+      </p:sp>
+      <p:graphicFrame>
+        <p:nvGraphicFramePr>
+          <p:cNvPr id="5" name="Tabuľka 4">
+            <a:extLst>
+              <a:ext uri="{FF2B5EF4-FFF2-40B4-BE49-F238E27FC236}">
+                <a16:creationId xmlns:a16="http://schemas.microsoft.com/office/drawing/2014/main" id="{A018B7B3-3B0F-87CA-A21C-E0A5F9D32331}"/>
+              </a:ext>
+            </a:extLst>
+          </p:cNvPr>
+          <p:cNvGraphicFramePr>
+            <a:graphicFrameLocks noGrp="1"/>
+          </p:cNvGraphicFramePr>
+          <p:nvPr>
+            <p:extLst>
+              <p:ext uri="{D42A27DB-BD31-4B8C-83A1-F6EECF244321}">
+                <p14:modId xmlns:p14="http://schemas.microsoft.com/office/powerpoint/2010/main" val="4031681617"/>
+              </p:ext>
+            </p:extLst>
+          </p:nvPr>
+        </p:nvGraphicFramePr>
+        <p:xfrm>
+          <a:off x="1749357" y="873252"/>
+          <a:ext cx="8693288" cy="5111496"/>
+        </p:xfrm>
+        <a:graphic>
+          <a:graphicData uri="http://schemas.openxmlformats.org/drawingml/2006/table">
+            <a:tbl>
+              <a:tblPr firstRow="1" bandRow="1"/>
+              <a:tblGrid>
+                <a:gridCol w="1245114">
+                  <a:extLst>
+                    <a:ext uri="{9D8B030D-6E8A-4147-A177-3AD203B41FA5}">
+                      <a16:colId xmlns:a16="http://schemas.microsoft.com/office/drawing/2014/main" val="1689496202"/>
+                    </a:ext>
+                  </a:extLst>
+                </a:gridCol>
+                <a:gridCol w="2241862">
+                  <a:extLst>
+                    <a:ext uri="{9D8B030D-6E8A-4147-A177-3AD203B41FA5}">
+                      <a16:colId xmlns:a16="http://schemas.microsoft.com/office/drawing/2014/main" val="3329632315"/>
+                    </a:ext>
+                  </a:extLst>
+                </a:gridCol>
+                <a:gridCol w="3145098">
+                  <a:extLst>
+                    <a:ext uri="{9D8B030D-6E8A-4147-A177-3AD203B41FA5}">
+                      <a16:colId xmlns:a16="http://schemas.microsoft.com/office/drawing/2014/main" val="2360135551"/>
+                    </a:ext>
+                  </a:extLst>
+                </a:gridCol>
+                <a:gridCol w="2061214">
+                  <a:extLst>
+                    <a:ext uri="{9D8B030D-6E8A-4147-A177-3AD203B41FA5}">
+                      <a16:colId xmlns:a16="http://schemas.microsoft.com/office/drawing/2014/main" val="3926255587"/>
+                    </a:ext>
+                  </a:extLst>
+                </a:gridCol>
+              </a:tblGrid>
+              <a:tr h="425958">
+                <a:tc>
+                  <a:txBody>
+                    <a:bodyPr/>
+                    <a:lstStyle/>
+                    <a:p>
+                      <a:pPr algn="l" fontAlgn="b"/>
+                      <a:r>
+                        <a:rPr lang="en-GB" sz="2200" b="0" i="0" u="none" strike="noStrike">
+                          <a:solidFill>
+                            <a:srgbClr val="000000"/>
+                          </a:solidFill>
+                          <a:effectLst/>
+                          <a:latin typeface="Calibri" panose="020F0502020204030204" pitchFamily="34" charset="0"/>
+                        </a:rPr>
+                        <a:t>ID</a:t>
+                      </a:r>
+                    </a:p>
+                  </a:txBody>
+                  <a:tcPr marL="18982" marR="18982" marT="18982" marB="0" anchor="b">
+                    <a:lnL w="6350" cap="flat" cmpd="sng" algn="ctr">
+                      <a:solidFill>
+                        <a:srgbClr val="000000"/>
+                      </a:solidFill>
+                      <a:prstDash val="solid"/>
+                      <a:round/>
+                      <a:headEnd type="none" w="med" len="med"/>
+                      <a:tailEnd type="none" w="med" len="med"/>
+                    </a:lnL>
+                    <a:lnR w="6350" cap="flat" cmpd="sng" algn="ctr">
+                      <a:solidFill>
+                        <a:srgbClr val="000000"/>
+                      </a:solidFill>
+                      <a:prstDash val="solid"/>
+                      <a:round/>
+                      <a:headEnd type="none" w="med" len="med"/>
+                      <a:tailEnd type="none" w="med" len="med"/>
+                    </a:lnR>
+                    <a:lnT w="6350" cap="flat" cmpd="sng" algn="ctr">
+                      <a:solidFill>
+                        <a:srgbClr val="000000"/>
+                      </a:solidFill>
+                      <a:prstDash val="solid"/>
+                      <a:round/>
+                      <a:headEnd type="none" w="med" len="med"/>
+                      <a:tailEnd type="none" w="med" len="med"/>
+                    </a:lnT>
+                    <a:lnB w="6350" cap="flat" cmpd="sng" algn="ctr">
+                      <a:solidFill>
+                        <a:srgbClr val="000000"/>
+                      </a:solidFill>
+                      <a:prstDash val="solid"/>
+                      <a:round/>
+                      <a:headEnd type="none" w="med" len="med"/>
+                      <a:tailEnd type="none" w="med" len="med"/>
+                    </a:lnB>
+                  </a:tcPr>
+                </a:tc>
+                <a:tc>
+                  <a:txBody>
+                    <a:bodyPr/>
+                    <a:lstStyle/>
+                    <a:p>
+                      <a:pPr algn="l" fontAlgn="b"/>
+                      <a:r>
+                        <a:rPr lang="en-GB" sz="2200" b="0" i="0" u="none" strike="noStrike">
+                          <a:solidFill>
+                            <a:srgbClr val="000000"/>
+                          </a:solidFill>
+                          <a:effectLst/>
+                          <a:latin typeface="Calibri" panose="020F0502020204030204" pitchFamily="34" charset="0"/>
+                        </a:rPr>
+                        <a:t>Country</a:t>
+                      </a:r>
+                    </a:p>
+                  </a:txBody>
+                  <a:tcPr marL="18982" marR="18982" marT="18982" marB="0" anchor="b">
+                    <a:lnL w="6350" cap="flat" cmpd="sng" algn="ctr">
+                      <a:solidFill>
+                        <a:srgbClr val="000000"/>
+                      </a:solidFill>
+                      <a:prstDash val="solid"/>
+                      <a:round/>
+                      <a:headEnd type="none" w="med" len="med"/>
+                      <a:tailEnd type="none" w="med" len="med"/>
+                    </a:lnL>
+                    <a:lnR w="6350" cap="flat" cmpd="sng" algn="ctr">
+                      <a:solidFill>
+                        <a:srgbClr val="000000"/>
+                      </a:solidFill>
+                      <a:prstDash val="solid"/>
+                      <a:round/>
+                      <a:headEnd type="none" w="med" len="med"/>
+                      <a:tailEnd type="none" w="med" len="med"/>
+                    </a:lnR>
+                    <a:lnT w="6350" cap="flat" cmpd="sng" algn="ctr">
+                      <a:solidFill>
+                        <a:srgbClr val="000000"/>
+                      </a:solidFill>
+                      <a:prstDash val="solid"/>
+                      <a:round/>
+                      <a:headEnd type="none" w="med" len="med"/>
+                      <a:tailEnd type="none" w="med" len="med"/>
+                    </a:lnT>
+                    <a:lnB w="6350" cap="flat" cmpd="sng" algn="ctr">
+                      <a:solidFill>
+                        <a:srgbClr val="000000"/>
+                      </a:solidFill>
+                      <a:prstDash val="solid"/>
+                      <a:round/>
+                      <a:headEnd type="none" w="med" len="med"/>
+                      <a:tailEnd type="none" w="med" len="med"/>
+                    </a:lnB>
+                  </a:tcPr>
+                </a:tc>
+                <a:tc>
+                  <a:txBody>
+                    <a:bodyPr/>
+                    <a:lstStyle/>
+                    <a:p>
+                      <a:pPr algn="l" fontAlgn="b"/>
+                      <a:r>
+                        <a:rPr lang="en-GB" sz="2200" b="0" i="0" u="none" strike="noStrike">
+                          <a:solidFill>
+                            <a:srgbClr val="000000"/>
+                          </a:solidFill>
+                          <a:effectLst/>
+                          <a:latin typeface="Calibri" panose="020F0502020204030204" pitchFamily="34" charset="0"/>
+                        </a:rPr>
+                        <a:t>Number of users</a:t>
+                      </a:r>
+                    </a:p>
+                  </a:txBody>
+                  <a:tcPr marL="18982" marR="18982" marT="18982" marB="0" anchor="b">
+                    <a:lnL w="6350" cap="flat" cmpd="sng" algn="ctr">
+                      <a:solidFill>
+                        <a:srgbClr val="000000"/>
+                      </a:solidFill>
+                      <a:prstDash val="solid"/>
+                      <a:round/>
+                      <a:headEnd type="none" w="med" len="med"/>
+                      <a:tailEnd type="none" w="med" len="med"/>
+                    </a:lnL>
+                    <a:lnR w="6350" cap="flat" cmpd="sng" algn="ctr">
+                      <a:solidFill>
+                        <a:srgbClr val="000000"/>
+                      </a:solidFill>
+                      <a:prstDash val="solid"/>
+                      <a:round/>
+                      <a:headEnd type="none" w="med" len="med"/>
+                      <a:tailEnd type="none" w="med" len="med"/>
+                    </a:lnR>
+                    <a:lnT w="6350" cap="flat" cmpd="sng" algn="ctr">
+                      <a:solidFill>
+                        <a:srgbClr val="000000"/>
+                      </a:solidFill>
+                      <a:prstDash val="solid"/>
+                      <a:round/>
+                      <a:headEnd type="none" w="med" len="med"/>
+                      <a:tailEnd type="none" w="med" len="med"/>
+                    </a:lnT>
+                    <a:lnB w="6350" cap="flat" cmpd="sng" algn="ctr">
+                      <a:solidFill>
+                        <a:srgbClr val="000000"/>
+                      </a:solidFill>
+                      <a:prstDash val="solid"/>
+                      <a:round/>
+                      <a:headEnd type="none" w="med" len="med"/>
+                      <a:tailEnd type="none" w="med" len="med"/>
+                    </a:lnB>
+                  </a:tcPr>
+                </a:tc>
+                <a:tc>
+                  <a:txBody>
+                    <a:bodyPr/>
+                    <a:lstStyle/>
+                    <a:p>
+                      <a:pPr algn="l" fontAlgn="b"/>
+                      <a:endParaRPr lang="en-GB" sz="2200" b="0" i="0" u="none" strike="noStrike">
+                        <a:solidFill>
+                          <a:srgbClr val="000000"/>
+                        </a:solidFill>
+                        <a:effectLst/>
+                        <a:latin typeface="Calibri" panose="020F0502020204030204" pitchFamily="34" charset="0"/>
+                      </a:endParaRPr>
+                    </a:p>
+                  </a:txBody>
+                  <a:tcPr marL="18982" marR="18982" marT="18982" marB="0" anchor="b">
+                    <a:lnL w="6350" cap="flat" cmpd="sng" algn="ctr">
+                      <a:solidFill>
+                        <a:srgbClr val="000000"/>
+                      </a:solidFill>
+                      <a:prstDash val="solid"/>
+                      <a:round/>
+                      <a:headEnd type="none" w="med" len="med"/>
+                      <a:tailEnd type="none" w="med" len="med"/>
+                    </a:lnL>
+                    <a:lnR>
+                      <a:noFill/>
+                    </a:lnR>
+                    <a:lnT>
+                      <a:noFill/>
+                    </a:lnT>
+                    <a:lnB w="6350" cap="flat" cmpd="sng" algn="ctr">
+                      <a:solidFill>
+                        <a:srgbClr val="000000"/>
+                      </a:solidFill>
+                      <a:prstDash val="solid"/>
+                      <a:round/>
+                      <a:headEnd type="none" w="med" len="med"/>
+                      <a:tailEnd type="none" w="med" len="med"/>
+                    </a:lnB>
+                  </a:tcPr>
+                </a:tc>
+                <a:extLst>
+                  <a:ext uri="{0D108BD9-81ED-4DB2-BD59-A6C34878D82A}">
+                    <a16:rowId xmlns:a16="http://schemas.microsoft.com/office/drawing/2014/main" val="622628268"/>
+                  </a:ext>
+                </a:extLst>
+              </a:tr>
+              <a:tr h="425958">
+                <a:tc>
+                  <a:txBody>
+                    <a:bodyPr/>
+                    <a:lstStyle/>
+                    <a:p>
+                      <a:pPr algn="r" fontAlgn="b"/>
+                      <a:r>
+                        <a:rPr lang="en-GB" sz="2200" b="0" i="0" u="none" strike="noStrike">
+                          <a:solidFill>
+                            <a:srgbClr val="000000"/>
+                          </a:solidFill>
+                          <a:effectLst/>
+                          <a:latin typeface="Calibri" panose="020F0502020204030204" pitchFamily="34" charset="0"/>
+                        </a:rPr>
+                        <a:t>1</a:t>
+                      </a:r>
+                    </a:p>
+                  </a:txBody>
+                  <a:tcPr marL="18982" marR="18982" marT="18982" marB="0" anchor="b">
+                    <a:lnL w="6350" cap="flat" cmpd="sng" algn="ctr">
+                      <a:solidFill>
+                        <a:srgbClr val="000000"/>
+                      </a:solidFill>
+                      <a:prstDash val="solid"/>
+                      <a:round/>
+                      <a:headEnd type="none" w="med" len="med"/>
+                      <a:tailEnd type="none" w="med" len="med"/>
+                    </a:lnL>
+                    <a:lnR w="6350" cap="flat" cmpd="sng" algn="ctr">
+                      <a:solidFill>
+                        <a:srgbClr val="000000"/>
+                      </a:solidFill>
+                      <a:prstDash val="solid"/>
+                      <a:round/>
+                      <a:headEnd type="none" w="med" len="med"/>
+                      <a:tailEnd type="none" w="med" len="med"/>
+                    </a:lnR>
+                    <a:lnT w="6350" cap="flat" cmpd="sng" algn="ctr">
+                      <a:solidFill>
+                        <a:srgbClr val="000000"/>
+                      </a:solidFill>
+                      <a:prstDash val="solid"/>
+                      <a:round/>
+                      <a:headEnd type="none" w="med" len="med"/>
+                      <a:tailEnd type="none" w="med" len="med"/>
+                    </a:lnT>
+                    <a:lnB>
+                      <a:noFill/>
+                    </a:lnB>
+                  </a:tcPr>
+                </a:tc>
+                <a:tc>
+                  <a:txBody>
+                    <a:bodyPr/>
+                    <a:lstStyle/>
+                    <a:p>
+                      <a:pPr algn="l" fontAlgn="b"/>
+                      <a:r>
+                        <a:rPr lang="en-GB" sz="2200" b="0" i="0" u="none" strike="noStrike">
+                          <a:solidFill>
+                            <a:srgbClr val="000000"/>
+                          </a:solidFill>
+                          <a:effectLst/>
+                          <a:latin typeface="Calibri" panose="020F0502020204030204" pitchFamily="34" charset="0"/>
+                        </a:rPr>
+                        <a:t>India</a:t>
+                      </a:r>
+                    </a:p>
+                  </a:txBody>
+                  <a:tcPr marL="18982" marR="18982" marT="18982" marB="0" anchor="b">
+                    <a:lnL w="6350" cap="flat" cmpd="sng" algn="ctr">
+                      <a:solidFill>
+                        <a:srgbClr val="000000"/>
+                      </a:solidFill>
+                      <a:prstDash val="solid"/>
+                      <a:round/>
+                      <a:headEnd type="none" w="med" len="med"/>
+                      <a:tailEnd type="none" w="med" len="med"/>
+                    </a:lnL>
+                    <a:lnR w="6350" cap="flat" cmpd="sng" algn="ctr">
+                      <a:solidFill>
+                        <a:srgbClr val="000000"/>
+                      </a:solidFill>
+                      <a:prstDash val="solid"/>
+                      <a:round/>
+                      <a:headEnd type="none" w="med" len="med"/>
+                      <a:tailEnd type="none" w="med" len="med"/>
+                    </a:lnR>
+                    <a:lnT w="6350" cap="flat" cmpd="sng" algn="ctr">
+                      <a:solidFill>
+                        <a:srgbClr val="000000"/>
+                      </a:solidFill>
+                      <a:prstDash val="solid"/>
+                      <a:round/>
+                      <a:headEnd type="none" w="med" len="med"/>
+                      <a:tailEnd type="none" w="med" len="med"/>
+                    </a:lnT>
+                    <a:lnB>
+                      <a:noFill/>
+                    </a:lnB>
+                  </a:tcPr>
+                </a:tc>
+                <a:tc>
+                  <a:txBody>
+                    <a:bodyPr/>
+                    <a:lstStyle/>
+                    <a:p>
+                      <a:pPr algn="r" fontAlgn="b"/>
+                      <a:r>
+                        <a:rPr lang="en-GB" sz="2200" b="0" i="0" u="none" strike="noStrike">
+                          <a:solidFill>
+                            <a:srgbClr val="000000"/>
+                          </a:solidFill>
+                          <a:effectLst/>
+                          <a:latin typeface="Calibri" panose="020F0502020204030204" pitchFamily="34" charset="0"/>
+                        </a:rPr>
+                        <a:t>329,65</a:t>
+                      </a:r>
+                    </a:p>
+                  </a:txBody>
+                  <a:tcPr marL="18982" marR="18982" marT="18982" marB="0" anchor="b">
+                    <a:lnL w="6350" cap="flat" cmpd="sng" algn="ctr">
+                      <a:solidFill>
+                        <a:srgbClr val="000000"/>
+                      </a:solidFill>
+                      <a:prstDash val="solid"/>
+                      <a:round/>
+                      <a:headEnd type="none" w="med" len="med"/>
+                      <a:tailEnd type="none" w="med" len="med"/>
+                    </a:lnL>
+                    <a:lnR w="6350" cap="flat" cmpd="sng" algn="ctr">
+                      <a:solidFill>
+                        <a:srgbClr val="000000"/>
+                      </a:solidFill>
+                      <a:prstDash val="solid"/>
+                      <a:round/>
+                      <a:headEnd type="none" w="med" len="med"/>
+                      <a:tailEnd type="none" w="med" len="med"/>
+                    </a:lnR>
+                    <a:lnT w="6350" cap="flat" cmpd="sng" algn="ctr">
+                      <a:solidFill>
+                        <a:srgbClr val="000000"/>
+                      </a:solidFill>
+                      <a:prstDash val="solid"/>
+                      <a:round/>
+                      <a:headEnd type="none" w="med" len="med"/>
+                      <a:tailEnd type="none" w="med" len="med"/>
+                    </a:lnT>
+                    <a:lnB>
+                      <a:noFill/>
+                    </a:lnB>
+                  </a:tcPr>
+                </a:tc>
+                <a:tc>
+                  <a:txBody>
+                    <a:bodyPr/>
+                    <a:lstStyle/>
+                    <a:p>
+                      <a:pPr algn="ctr" fontAlgn="b"/>
+                      <a:r>
+                        <a:rPr lang="en-GB" sz="2200" b="0" i="0" u="none" strike="noStrike">
+                          <a:solidFill>
+                            <a:srgbClr val="000000"/>
+                          </a:solidFill>
+                          <a:effectLst/>
+                          <a:latin typeface="Calibri" panose="020F0502020204030204" pitchFamily="34" charset="0"/>
+                        </a:rPr>
+                        <a:t>28,98</a:t>
+                      </a:r>
+                    </a:p>
+                  </a:txBody>
+                  <a:tcPr marL="18982" marR="18982" marT="18982" marB="0" anchor="b">
+                    <a:lnL w="6350" cap="flat" cmpd="sng" algn="ctr">
+                      <a:solidFill>
+                        <a:srgbClr val="000000"/>
+                      </a:solidFill>
+                      <a:prstDash val="solid"/>
+                      <a:round/>
+                      <a:headEnd type="none" w="med" len="med"/>
+                      <a:tailEnd type="none" w="med" len="med"/>
+                    </a:lnL>
+                    <a:lnR w="6350" cap="flat" cmpd="sng" algn="ctr">
+                      <a:solidFill>
+                        <a:srgbClr val="000000"/>
+                      </a:solidFill>
+                      <a:prstDash val="solid"/>
+                      <a:round/>
+                      <a:headEnd type="none" w="med" len="med"/>
+                      <a:tailEnd type="none" w="med" len="med"/>
+                    </a:lnR>
+                    <a:lnT w="6350" cap="flat" cmpd="sng" algn="ctr">
+                      <a:solidFill>
+                        <a:srgbClr val="000000"/>
+                      </a:solidFill>
+                      <a:prstDash val="solid"/>
+                      <a:round/>
+                      <a:headEnd type="none" w="med" len="med"/>
+                      <a:tailEnd type="none" w="med" len="med"/>
+                    </a:lnT>
+                    <a:lnB>
+                      <a:noFill/>
+                    </a:lnB>
+                  </a:tcPr>
+                </a:tc>
+                <a:extLst>
+                  <a:ext uri="{0D108BD9-81ED-4DB2-BD59-A6C34878D82A}">
+                    <a16:rowId xmlns:a16="http://schemas.microsoft.com/office/drawing/2014/main" val="2154644779"/>
+                  </a:ext>
+                </a:extLst>
+              </a:tr>
+              <a:tr h="425958">
+                <a:tc>
+                  <a:txBody>
+                    <a:bodyPr/>
+                    <a:lstStyle/>
+                    <a:p>
+                      <a:pPr algn="r" fontAlgn="b"/>
+                      <a:r>
+                        <a:rPr lang="en-GB" sz="2200" b="0" i="0" u="none" strike="noStrike">
+                          <a:solidFill>
+                            <a:srgbClr val="000000"/>
+                          </a:solidFill>
+                          <a:effectLst/>
+                          <a:latin typeface="Calibri" panose="020F0502020204030204" pitchFamily="34" charset="0"/>
+                        </a:rPr>
+                        <a:t>2</a:t>
+                      </a:r>
+                    </a:p>
+                  </a:txBody>
+                  <a:tcPr marL="18982" marR="18982" marT="18982" marB="0" anchor="b">
+                    <a:lnL w="6350" cap="flat" cmpd="sng" algn="ctr">
+                      <a:solidFill>
+                        <a:srgbClr val="000000"/>
+                      </a:solidFill>
+                      <a:prstDash val="solid"/>
+                      <a:round/>
+                      <a:headEnd type="none" w="med" len="med"/>
+                      <a:tailEnd type="none" w="med" len="med"/>
+                    </a:lnL>
+                    <a:lnR w="6350" cap="flat" cmpd="sng" algn="ctr">
+                      <a:solidFill>
+                        <a:srgbClr val="000000"/>
+                      </a:solidFill>
+                      <a:prstDash val="solid"/>
+                      <a:round/>
+                      <a:headEnd type="none" w="med" len="med"/>
+                      <a:tailEnd type="none" w="med" len="med"/>
+                    </a:lnR>
+                    <a:lnT>
+                      <a:noFill/>
+                    </a:lnT>
+                    <a:lnB>
+                      <a:noFill/>
+                    </a:lnB>
+                  </a:tcPr>
+                </a:tc>
+                <a:tc>
+                  <a:txBody>
+                    <a:bodyPr/>
+                    <a:lstStyle/>
+                    <a:p>
+                      <a:pPr algn="l" fontAlgn="b"/>
+                      <a:r>
+                        <a:rPr lang="en-GB" sz="2200" b="0" i="0" u="none" strike="noStrike">
+                          <a:solidFill>
+                            <a:srgbClr val="000000"/>
+                          </a:solidFill>
+                          <a:effectLst/>
+                          <a:latin typeface="Calibri" panose="020F0502020204030204" pitchFamily="34" charset="0"/>
+                        </a:rPr>
+                        <a:t>US</a:t>
+                      </a:r>
+                    </a:p>
+                  </a:txBody>
+                  <a:tcPr marL="18982" marR="18982" marT="18982" marB="0" anchor="b">
+                    <a:lnL w="6350" cap="flat" cmpd="sng" algn="ctr">
+                      <a:solidFill>
+                        <a:srgbClr val="000000"/>
+                      </a:solidFill>
+                      <a:prstDash val="solid"/>
+                      <a:round/>
+                      <a:headEnd type="none" w="med" len="med"/>
+                      <a:tailEnd type="none" w="med" len="med"/>
+                    </a:lnL>
+                    <a:lnR w="6350" cap="flat" cmpd="sng" algn="ctr">
+                      <a:solidFill>
+                        <a:srgbClr val="000000"/>
+                      </a:solidFill>
+                      <a:prstDash val="solid"/>
+                      <a:round/>
+                      <a:headEnd type="none" w="med" len="med"/>
+                      <a:tailEnd type="none" w="med" len="med"/>
+                    </a:lnR>
+                    <a:lnT>
+                      <a:noFill/>
+                    </a:lnT>
+                    <a:lnB>
+                      <a:noFill/>
+                    </a:lnB>
+                  </a:tcPr>
+                </a:tc>
+                <a:tc>
+                  <a:txBody>
+                    <a:bodyPr/>
+                    <a:lstStyle/>
+                    <a:p>
+                      <a:pPr algn="r" fontAlgn="b"/>
+                      <a:r>
+                        <a:rPr lang="en-GB" sz="2200" b="0" i="0" u="none" strike="noStrike">
+                          <a:solidFill>
+                            <a:srgbClr val="000000"/>
+                          </a:solidFill>
+                          <a:effectLst/>
+                          <a:latin typeface="Calibri" panose="020F0502020204030204" pitchFamily="34" charset="0"/>
+                        </a:rPr>
+                        <a:t>179,65</a:t>
+                      </a:r>
+                    </a:p>
+                  </a:txBody>
+                  <a:tcPr marL="18982" marR="18982" marT="18982" marB="0" anchor="b">
+                    <a:lnL w="6350" cap="flat" cmpd="sng" algn="ctr">
+                      <a:solidFill>
+                        <a:srgbClr val="000000"/>
+                      </a:solidFill>
+                      <a:prstDash val="solid"/>
+                      <a:round/>
+                      <a:headEnd type="none" w="med" len="med"/>
+                      <a:tailEnd type="none" w="med" len="med"/>
+                    </a:lnL>
+                    <a:lnR w="6350" cap="flat" cmpd="sng" algn="ctr">
+                      <a:solidFill>
+                        <a:srgbClr val="000000"/>
+                      </a:solidFill>
+                      <a:prstDash val="solid"/>
+                      <a:round/>
+                      <a:headEnd type="none" w="med" len="med"/>
+                      <a:tailEnd type="none" w="med" len="med"/>
+                    </a:lnR>
+                    <a:lnT>
+                      <a:noFill/>
+                    </a:lnT>
+                    <a:lnB>
+                      <a:noFill/>
+                    </a:lnB>
+                  </a:tcPr>
+                </a:tc>
+                <a:tc>
+                  <a:txBody>
+                    <a:bodyPr/>
+                    <a:lstStyle/>
+                    <a:p>
+                      <a:pPr algn="ctr" fontAlgn="b"/>
+                      <a:r>
+                        <a:rPr lang="en-GB" sz="2200" b="0" i="0" u="none" strike="noStrike">
+                          <a:solidFill>
+                            <a:srgbClr val="000000"/>
+                          </a:solidFill>
+                          <a:effectLst/>
+                          <a:latin typeface="Calibri" panose="020F0502020204030204" pitchFamily="34" charset="0"/>
+                        </a:rPr>
+                        <a:t>15,79</a:t>
+                      </a:r>
+                    </a:p>
+                  </a:txBody>
+                  <a:tcPr marL="18982" marR="18982" marT="18982" marB="0" anchor="b">
+                    <a:lnL w="6350" cap="flat" cmpd="sng" algn="ctr">
+                      <a:solidFill>
+                        <a:srgbClr val="000000"/>
+                      </a:solidFill>
+                      <a:prstDash val="solid"/>
+                      <a:round/>
+                      <a:headEnd type="none" w="med" len="med"/>
+                      <a:tailEnd type="none" w="med" len="med"/>
+                    </a:lnL>
+                    <a:lnR w="6350" cap="flat" cmpd="sng" algn="ctr">
+                      <a:solidFill>
+                        <a:srgbClr val="000000"/>
+                      </a:solidFill>
+                      <a:prstDash val="solid"/>
+                      <a:round/>
+                      <a:headEnd type="none" w="med" len="med"/>
+                      <a:tailEnd type="none" w="med" len="med"/>
+                    </a:lnR>
+                    <a:lnT>
+                      <a:noFill/>
+                    </a:lnT>
+                    <a:lnB>
+                      <a:noFill/>
+                    </a:lnB>
+                  </a:tcPr>
+                </a:tc>
+                <a:extLst>
+                  <a:ext uri="{0D108BD9-81ED-4DB2-BD59-A6C34878D82A}">
+                    <a16:rowId xmlns:a16="http://schemas.microsoft.com/office/drawing/2014/main" val="2793759954"/>
+                  </a:ext>
+                </a:extLst>
+              </a:tr>
+              <a:tr h="425958">
+                <a:tc>
+                  <a:txBody>
+                    <a:bodyPr/>
+                    <a:lstStyle/>
+                    <a:p>
+                      <a:pPr algn="r" fontAlgn="b"/>
+                      <a:r>
+                        <a:rPr lang="en-GB" sz="2200" b="0" i="0" u="none" strike="noStrike">
+                          <a:solidFill>
+                            <a:srgbClr val="000000"/>
+                          </a:solidFill>
+                          <a:effectLst/>
+                          <a:latin typeface="Calibri" panose="020F0502020204030204" pitchFamily="34" charset="0"/>
+                        </a:rPr>
+                        <a:t>3</a:t>
+                      </a:r>
+                    </a:p>
+                  </a:txBody>
+                  <a:tcPr marL="18982" marR="18982" marT="18982" marB="0" anchor="b">
+                    <a:lnL w="6350" cap="flat" cmpd="sng" algn="ctr">
+                      <a:solidFill>
+                        <a:srgbClr val="000000"/>
+                      </a:solidFill>
+                      <a:prstDash val="solid"/>
+                      <a:round/>
+                      <a:headEnd type="none" w="med" len="med"/>
+                      <a:tailEnd type="none" w="med" len="med"/>
+                    </a:lnL>
+                    <a:lnR w="6350" cap="flat" cmpd="sng" algn="ctr">
+                      <a:solidFill>
+                        <a:srgbClr val="000000"/>
+                      </a:solidFill>
+                      <a:prstDash val="solid"/>
+                      <a:round/>
+                      <a:headEnd type="none" w="med" len="med"/>
+                      <a:tailEnd type="none" w="med" len="med"/>
+                    </a:lnR>
+                    <a:lnT>
+                      <a:noFill/>
+                    </a:lnT>
+                    <a:lnB>
+                      <a:noFill/>
+                    </a:lnB>
+                  </a:tcPr>
+                </a:tc>
+                <a:tc>
+                  <a:txBody>
+                    <a:bodyPr/>
+                    <a:lstStyle/>
+                    <a:p>
+                      <a:pPr algn="l" fontAlgn="b"/>
+                      <a:r>
+                        <a:rPr lang="en-GB" sz="2200" b="0" i="0" u="none" strike="noStrike">
+                          <a:solidFill>
+                            <a:srgbClr val="000000"/>
+                          </a:solidFill>
+                          <a:effectLst/>
+                          <a:latin typeface="Calibri" panose="020F0502020204030204" pitchFamily="34" charset="0"/>
+                        </a:rPr>
+                        <a:t>Indonesia</a:t>
+                      </a:r>
+                    </a:p>
+                  </a:txBody>
+                  <a:tcPr marL="18982" marR="18982" marT="18982" marB="0" anchor="b">
+                    <a:lnL w="6350" cap="flat" cmpd="sng" algn="ctr">
+                      <a:solidFill>
+                        <a:srgbClr val="000000"/>
+                      </a:solidFill>
+                      <a:prstDash val="solid"/>
+                      <a:round/>
+                      <a:headEnd type="none" w="med" len="med"/>
+                      <a:tailEnd type="none" w="med" len="med"/>
+                    </a:lnL>
+                    <a:lnR w="6350" cap="flat" cmpd="sng" algn="ctr">
+                      <a:solidFill>
+                        <a:srgbClr val="000000"/>
+                      </a:solidFill>
+                      <a:prstDash val="solid"/>
+                      <a:round/>
+                      <a:headEnd type="none" w="med" len="med"/>
+                      <a:tailEnd type="none" w="med" len="med"/>
+                    </a:lnR>
+                    <a:lnT>
+                      <a:noFill/>
+                    </a:lnT>
+                    <a:lnB>
+                      <a:noFill/>
+                    </a:lnB>
+                  </a:tcPr>
+                </a:tc>
+                <a:tc>
+                  <a:txBody>
+                    <a:bodyPr/>
+                    <a:lstStyle/>
+                    <a:p>
+                      <a:pPr algn="r" fontAlgn="b"/>
+                      <a:r>
+                        <a:rPr lang="en-GB" sz="2200" b="0" i="0" u="none" strike="noStrike">
+                          <a:solidFill>
+                            <a:srgbClr val="000000"/>
+                          </a:solidFill>
+                          <a:effectLst/>
+                          <a:latin typeface="Calibri" panose="020F0502020204030204" pitchFamily="34" charset="0"/>
+                        </a:rPr>
+                        <a:t>129,85</a:t>
+                      </a:r>
+                    </a:p>
+                  </a:txBody>
+                  <a:tcPr marL="18982" marR="18982" marT="18982" marB="0" anchor="b">
+                    <a:lnL w="6350" cap="flat" cmpd="sng" algn="ctr">
+                      <a:solidFill>
+                        <a:srgbClr val="000000"/>
+                      </a:solidFill>
+                      <a:prstDash val="solid"/>
+                      <a:round/>
+                      <a:headEnd type="none" w="med" len="med"/>
+                      <a:tailEnd type="none" w="med" len="med"/>
+                    </a:lnL>
+                    <a:lnR w="6350" cap="flat" cmpd="sng" algn="ctr">
+                      <a:solidFill>
+                        <a:srgbClr val="000000"/>
+                      </a:solidFill>
+                      <a:prstDash val="solid"/>
+                      <a:round/>
+                      <a:headEnd type="none" w="med" len="med"/>
+                      <a:tailEnd type="none" w="med" len="med"/>
+                    </a:lnR>
+                    <a:lnT>
+                      <a:noFill/>
+                    </a:lnT>
+                    <a:lnB>
+                      <a:noFill/>
+                    </a:lnB>
+                  </a:tcPr>
+                </a:tc>
+                <a:tc>
+                  <a:txBody>
+                    <a:bodyPr/>
+                    <a:lstStyle/>
+                    <a:p>
+                      <a:pPr algn="ctr" fontAlgn="b"/>
+                      <a:r>
+                        <a:rPr lang="en-GB" sz="2200" b="0" i="0" u="none" strike="noStrike">
+                          <a:solidFill>
+                            <a:srgbClr val="000000"/>
+                          </a:solidFill>
+                          <a:effectLst/>
+                          <a:latin typeface="Calibri" panose="020F0502020204030204" pitchFamily="34" charset="0"/>
+                        </a:rPr>
+                        <a:t>11,41</a:t>
+                      </a:r>
+                    </a:p>
+                  </a:txBody>
+                  <a:tcPr marL="18982" marR="18982" marT="18982" marB="0" anchor="b">
+                    <a:lnL w="6350" cap="flat" cmpd="sng" algn="ctr">
+                      <a:solidFill>
+                        <a:srgbClr val="000000"/>
+                      </a:solidFill>
+                      <a:prstDash val="solid"/>
+                      <a:round/>
+                      <a:headEnd type="none" w="med" len="med"/>
+                      <a:tailEnd type="none" w="med" len="med"/>
+                    </a:lnL>
+                    <a:lnR w="6350" cap="flat" cmpd="sng" algn="ctr">
+                      <a:solidFill>
+                        <a:srgbClr val="000000"/>
+                      </a:solidFill>
+                      <a:prstDash val="solid"/>
+                      <a:round/>
+                      <a:headEnd type="none" w="med" len="med"/>
+                      <a:tailEnd type="none" w="med" len="med"/>
+                    </a:lnR>
+                    <a:lnT>
+                      <a:noFill/>
+                    </a:lnT>
+                    <a:lnB>
+                      <a:noFill/>
+                    </a:lnB>
+                  </a:tcPr>
+                </a:tc>
+                <a:extLst>
+                  <a:ext uri="{0D108BD9-81ED-4DB2-BD59-A6C34878D82A}">
+                    <a16:rowId xmlns:a16="http://schemas.microsoft.com/office/drawing/2014/main" val="1227714927"/>
+                  </a:ext>
+                </a:extLst>
+              </a:tr>
+              <a:tr h="425958">
+                <a:tc>
+                  <a:txBody>
+                    <a:bodyPr/>
+                    <a:lstStyle/>
+                    <a:p>
+                      <a:pPr algn="r" fontAlgn="b"/>
+                      <a:r>
+                        <a:rPr lang="en-GB" sz="2200" b="0" i="0" u="none" strike="noStrike">
+                          <a:solidFill>
+                            <a:srgbClr val="000000"/>
+                          </a:solidFill>
+                          <a:effectLst/>
+                          <a:latin typeface="Calibri" panose="020F0502020204030204" pitchFamily="34" charset="0"/>
+                        </a:rPr>
+                        <a:t>4</a:t>
+                      </a:r>
+                    </a:p>
+                  </a:txBody>
+                  <a:tcPr marL="18982" marR="18982" marT="18982" marB="0" anchor="b">
+                    <a:lnL w="6350" cap="flat" cmpd="sng" algn="ctr">
+                      <a:solidFill>
+                        <a:srgbClr val="000000"/>
+                      </a:solidFill>
+                      <a:prstDash val="solid"/>
+                      <a:round/>
+                      <a:headEnd type="none" w="med" len="med"/>
+                      <a:tailEnd type="none" w="med" len="med"/>
+                    </a:lnL>
+                    <a:lnR w="6350" cap="flat" cmpd="sng" algn="ctr">
+                      <a:solidFill>
+                        <a:srgbClr val="000000"/>
+                      </a:solidFill>
+                      <a:prstDash val="solid"/>
+                      <a:round/>
+                      <a:headEnd type="none" w="med" len="med"/>
+                      <a:tailEnd type="none" w="med" len="med"/>
+                    </a:lnR>
+                    <a:lnT>
+                      <a:noFill/>
+                    </a:lnT>
+                    <a:lnB>
+                      <a:noFill/>
+                    </a:lnB>
+                  </a:tcPr>
+                </a:tc>
+                <a:tc>
+                  <a:txBody>
+                    <a:bodyPr/>
+                    <a:lstStyle/>
+                    <a:p>
+                      <a:pPr algn="l" fontAlgn="b"/>
+                      <a:r>
+                        <a:rPr lang="en-GB" sz="2200" b="0" i="0" u="none" strike="noStrike" dirty="0">
+                          <a:solidFill>
+                            <a:srgbClr val="000000"/>
+                          </a:solidFill>
+                          <a:effectLst/>
+                          <a:latin typeface="Calibri" panose="020F0502020204030204" pitchFamily="34" charset="0"/>
+                        </a:rPr>
+                        <a:t>Brazil</a:t>
+                      </a:r>
+                    </a:p>
+                  </a:txBody>
+                  <a:tcPr marL="18982" marR="18982" marT="18982" marB="0" anchor="b">
+                    <a:lnL w="6350" cap="flat" cmpd="sng" algn="ctr">
+                      <a:solidFill>
+                        <a:srgbClr val="000000"/>
+                      </a:solidFill>
+                      <a:prstDash val="solid"/>
+                      <a:round/>
+                      <a:headEnd type="none" w="med" len="med"/>
+                      <a:tailEnd type="none" w="med" len="med"/>
+                    </a:lnL>
+                    <a:lnR w="6350" cap="flat" cmpd="sng" algn="ctr">
+                      <a:solidFill>
+                        <a:srgbClr val="000000"/>
+                      </a:solidFill>
+                      <a:prstDash val="solid"/>
+                      <a:round/>
+                      <a:headEnd type="none" w="med" len="med"/>
+                      <a:tailEnd type="none" w="med" len="med"/>
+                    </a:lnR>
+                    <a:lnT>
+                      <a:noFill/>
+                    </a:lnT>
+                    <a:lnB>
+                      <a:noFill/>
+                    </a:lnB>
+                  </a:tcPr>
+                </a:tc>
+                <a:tc>
+                  <a:txBody>
+                    <a:bodyPr/>
+                    <a:lstStyle/>
+                    <a:p>
+                      <a:pPr algn="r" fontAlgn="b"/>
+                      <a:r>
+                        <a:rPr lang="en-GB" sz="2200" b="0" i="0" u="none" strike="noStrike">
+                          <a:solidFill>
+                            <a:srgbClr val="000000"/>
+                          </a:solidFill>
+                          <a:effectLst/>
+                          <a:latin typeface="Calibri" panose="020F0502020204030204" pitchFamily="34" charset="0"/>
+                        </a:rPr>
+                        <a:t>116</a:t>
+                      </a:r>
+                    </a:p>
+                  </a:txBody>
+                  <a:tcPr marL="18982" marR="18982" marT="18982" marB="0" anchor="b">
+                    <a:lnL w="6350" cap="flat" cmpd="sng" algn="ctr">
+                      <a:solidFill>
+                        <a:srgbClr val="000000"/>
+                      </a:solidFill>
+                      <a:prstDash val="solid"/>
+                      <a:round/>
+                      <a:headEnd type="none" w="med" len="med"/>
+                      <a:tailEnd type="none" w="med" len="med"/>
+                    </a:lnL>
+                    <a:lnR w="6350" cap="flat" cmpd="sng" algn="ctr">
+                      <a:solidFill>
+                        <a:srgbClr val="000000"/>
+                      </a:solidFill>
+                      <a:prstDash val="solid"/>
+                      <a:round/>
+                      <a:headEnd type="none" w="med" len="med"/>
+                      <a:tailEnd type="none" w="med" len="med"/>
+                    </a:lnR>
+                    <a:lnT>
+                      <a:noFill/>
+                    </a:lnT>
+                    <a:lnB>
+                      <a:noFill/>
+                    </a:lnB>
+                  </a:tcPr>
+                </a:tc>
+                <a:tc>
+                  <a:txBody>
+                    <a:bodyPr/>
+                    <a:lstStyle/>
+                    <a:p>
+                      <a:pPr algn="ctr" fontAlgn="b"/>
+                      <a:r>
+                        <a:rPr lang="en-GB" sz="2200" b="0" i="0" u="none" strike="noStrike">
+                          <a:solidFill>
+                            <a:srgbClr val="000000"/>
+                          </a:solidFill>
+                          <a:effectLst/>
+                          <a:latin typeface="Calibri" panose="020F0502020204030204" pitchFamily="34" charset="0"/>
+                        </a:rPr>
+                        <a:t>10,20</a:t>
+                      </a:r>
+                    </a:p>
+                  </a:txBody>
+                  <a:tcPr marL="18982" marR="18982" marT="18982" marB="0" anchor="b">
+                    <a:lnL w="6350" cap="flat" cmpd="sng" algn="ctr">
+                      <a:solidFill>
+                        <a:srgbClr val="000000"/>
+                      </a:solidFill>
+                      <a:prstDash val="solid"/>
+                      <a:round/>
+                      <a:headEnd type="none" w="med" len="med"/>
+                      <a:tailEnd type="none" w="med" len="med"/>
+                    </a:lnL>
+                    <a:lnR w="6350" cap="flat" cmpd="sng" algn="ctr">
+                      <a:solidFill>
+                        <a:srgbClr val="000000"/>
+                      </a:solidFill>
+                      <a:prstDash val="solid"/>
+                      <a:round/>
+                      <a:headEnd type="none" w="med" len="med"/>
+                      <a:tailEnd type="none" w="med" len="med"/>
+                    </a:lnR>
+                    <a:lnT>
+                      <a:noFill/>
+                    </a:lnT>
+                    <a:lnB>
+                      <a:noFill/>
+                    </a:lnB>
+                  </a:tcPr>
+                </a:tc>
+                <a:extLst>
+                  <a:ext uri="{0D108BD9-81ED-4DB2-BD59-A6C34878D82A}">
+                    <a16:rowId xmlns:a16="http://schemas.microsoft.com/office/drawing/2014/main" val="3933842826"/>
+                  </a:ext>
+                </a:extLst>
+              </a:tr>
+              <a:tr h="425958">
+                <a:tc>
+                  <a:txBody>
+                    <a:bodyPr/>
+                    <a:lstStyle/>
+                    <a:p>
+                      <a:pPr algn="r" fontAlgn="b"/>
+                      <a:r>
+                        <a:rPr lang="en-GB" sz="2200" b="0" i="0" u="none" strike="noStrike">
+                          <a:solidFill>
+                            <a:srgbClr val="000000"/>
+                          </a:solidFill>
+                          <a:effectLst/>
+                          <a:latin typeface="Calibri" panose="020F0502020204030204" pitchFamily="34" charset="0"/>
+                        </a:rPr>
+                        <a:t>5</a:t>
+                      </a:r>
+                    </a:p>
+                  </a:txBody>
+                  <a:tcPr marL="18982" marR="18982" marT="18982" marB="0" anchor="b">
+                    <a:lnL w="6350" cap="flat" cmpd="sng" algn="ctr">
+                      <a:solidFill>
+                        <a:srgbClr val="000000"/>
+                      </a:solidFill>
+                      <a:prstDash val="solid"/>
+                      <a:round/>
+                      <a:headEnd type="none" w="med" len="med"/>
+                      <a:tailEnd type="none" w="med" len="med"/>
+                    </a:lnL>
+                    <a:lnR w="6350" cap="flat" cmpd="sng" algn="ctr">
+                      <a:solidFill>
+                        <a:srgbClr val="000000"/>
+                      </a:solidFill>
+                      <a:prstDash val="solid"/>
+                      <a:round/>
+                      <a:headEnd type="none" w="med" len="med"/>
+                      <a:tailEnd type="none" w="med" len="med"/>
+                    </a:lnR>
+                    <a:lnT>
+                      <a:noFill/>
+                    </a:lnT>
+                    <a:lnB>
+                      <a:noFill/>
+                    </a:lnB>
+                  </a:tcPr>
+                </a:tc>
+                <a:tc>
+                  <a:txBody>
+                    <a:bodyPr/>
+                    <a:lstStyle/>
+                    <a:p>
+                      <a:pPr algn="l" fontAlgn="b"/>
+                      <a:r>
+                        <a:rPr lang="en-GB" sz="2200" b="0" i="0" u="none" strike="noStrike">
+                          <a:solidFill>
+                            <a:srgbClr val="000000"/>
+                          </a:solidFill>
+                          <a:effectLst/>
+                          <a:latin typeface="Calibri" panose="020F0502020204030204" pitchFamily="34" charset="0"/>
+                        </a:rPr>
+                        <a:t>Mexico</a:t>
+                      </a:r>
+                    </a:p>
+                  </a:txBody>
+                  <a:tcPr marL="18982" marR="18982" marT="18982" marB="0" anchor="b">
+                    <a:lnL w="6350" cap="flat" cmpd="sng" algn="ctr">
+                      <a:solidFill>
+                        <a:srgbClr val="000000"/>
+                      </a:solidFill>
+                      <a:prstDash val="solid"/>
+                      <a:round/>
+                      <a:headEnd type="none" w="med" len="med"/>
+                      <a:tailEnd type="none" w="med" len="med"/>
+                    </a:lnL>
+                    <a:lnR w="6350" cap="flat" cmpd="sng" algn="ctr">
+                      <a:solidFill>
+                        <a:srgbClr val="000000"/>
+                      </a:solidFill>
+                      <a:prstDash val="solid"/>
+                      <a:round/>
+                      <a:headEnd type="none" w="med" len="med"/>
+                      <a:tailEnd type="none" w="med" len="med"/>
+                    </a:lnR>
+                    <a:lnT>
+                      <a:noFill/>
+                    </a:lnT>
+                    <a:lnB>
+                      <a:noFill/>
+                    </a:lnB>
+                  </a:tcPr>
+                </a:tc>
+                <a:tc>
+                  <a:txBody>
+                    <a:bodyPr/>
+                    <a:lstStyle/>
+                    <a:p>
+                      <a:pPr algn="r" fontAlgn="b"/>
+                      <a:r>
+                        <a:rPr lang="en-GB" sz="2200" b="0" i="0" u="none" strike="noStrike">
+                          <a:solidFill>
+                            <a:srgbClr val="000000"/>
+                          </a:solidFill>
+                          <a:effectLst/>
+                          <a:latin typeface="Calibri" panose="020F0502020204030204" pitchFamily="34" charset="0"/>
+                        </a:rPr>
+                        <a:t>89,7</a:t>
+                      </a:r>
+                    </a:p>
+                  </a:txBody>
+                  <a:tcPr marL="18982" marR="18982" marT="18982" marB="0" anchor="b">
+                    <a:lnL w="6350" cap="flat" cmpd="sng" algn="ctr">
+                      <a:solidFill>
+                        <a:srgbClr val="000000"/>
+                      </a:solidFill>
+                      <a:prstDash val="solid"/>
+                      <a:round/>
+                      <a:headEnd type="none" w="med" len="med"/>
+                      <a:tailEnd type="none" w="med" len="med"/>
+                    </a:lnL>
+                    <a:lnR w="6350" cap="flat" cmpd="sng" algn="ctr">
+                      <a:solidFill>
+                        <a:srgbClr val="000000"/>
+                      </a:solidFill>
+                      <a:prstDash val="solid"/>
+                      <a:round/>
+                      <a:headEnd type="none" w="med" len="med"/>
+                      <a:tailEnd type="none" w="med" len="med"/>
+                    </a:lnR>
+                    <a:lnT>
+                      <a:noFill/>
+                    </a:lnT>
+                    <a:lnB>
+                      <a:noFill/>
+                    </a:lnB>
+                  </a:tcPr>
+                </a:tc>
+                <a:tc>
+                  <a:txBody>
+                    <a:bodyPr/>
+                    <a:lstStyle/>
+                    <a:p>
+                      <a:pPr algn="ctr" fontAlgn="b"/>
+                      <a:r>
+                        <a:rPr lang="en-GB" sz="2200" b="0" i="0" u="none" strike="noStrike">
+                          <a:solidFill>
+                            <a:srgbClr val="000000"/>
+                          </a:solidFill>
+                          <a:effectLst/>
+                          <a:latin typeface="Calibri" panose="020F0502020204030204" pitchFamily="34" charset="0"/>
+                        </a:rPr>
+                        <a:t>7,89</a:t>
+                      </a:r>
+                    </a:p>
+                  </a:txBody>
+                  <a:tcPr marL="18982" marR="18982" marT="18982" marB="0" anchor="b">
+                    <a:lnL w="6350" cap="flat" cmpd="sng" algn="ctr">
+                      <a:solidFill>
+                        <a:srgbClr val="000000"/>
+                      </a:solidFill>
+                      <a:prstDash val="solid"/>
+                      <a:round/>
+                      <a:headEnd type="none" w="med" len="med"/>
+                      <a:tailEnd type="none" w="med" len="med"/>
+                    </a:lnL>
+                    <a:lnR w="6350" cap="flat" cmpd="sng" algn="ctr">
+                      <a:solidFill>
+                        <a:srgbClr val="000000"/>
+                      </a:solidFill>
+                      <a:prstDash val="solid"/>
+                      <a:round/>
+                      <a:headEnd type="none" w="med" len="med"/>
+                      <a:tailEnd type="none" w="med" len="med"/>
+                    </a:lnR>
+                    <a:lnT>
+                      <a:noFill/>
+                    </a:lnT>
+                    <a:lnB>
+                      <a:noFill/>
+                    </a:lnB>
+                  </a:tcPr>
+                </a:tc>
+                <a:extLst>
+                  <a:ext uri="{0D108BD9-81ED-4DB2-BD59-A6C34878D82A}">
+                    <a16:rowId xmlns:a16="http://schemas.microsoft.com/office/drawing/2014/main" val="3083397243"/>
+                  </a:ext>
+                </a:extLst>
+              </a:tr>
+              <a:tr h="425958">
+                <a:tc>
+                  <a:txBody>
+                    <a:bodyPr/>
+                    <a:lstStyle/>
+                    <a:p>
+                      <a:pPr algn="r" fontAlgn="b"/>
+                      <a:r>
+                        <a:rPr lang="en-GB" sz="2200" b="0" i="0" u="none" strike="noStrike">
+                          <a:solidFill>
+                            <a:srgbClr val="000000"/>
+                          </a:solidFill>
+                          <a:effectLst/>
+                          <a:latin typeface="Calibri" panose="020F0502020204030204" pitchFamily="34" charset="0"/>
+                        </a:rPr>
+                        <a:t>6</a:t>
+                      </a:r>
+                    </a:p>
+                  </a:txBody>
+                  <a:tcPr marL="18982" marR="18982" marT="18982" marB="0" anchor="b">
+                    <a:lnL w="6350" cap="flat" cmpd="sng" algn="ctr">
+                      <a:solidFill>
+                        <a:srgbClr val="000000"/>
+                      </a:solidFill>
+                      <a:prstDash val="solid"/>
+                      <a:round/>
+                      <a:headEnd type="none" w="med" len="med"/>
+                      <a:tailEnd type="none" w="med" len="med"/>
+                    </a:lnL>
+                    <a:lnR w="6350" cap="flat" cmpd="sng" algn="ctr">
+                      <a:solidFill>
+                        <a:srgbClr val="000000"/>
+                      </a:solidFill>
+                      <a:prstDash val="solid"/>
+                      <a:round/>
+                      <a:headEnd type="none" w="med" len="med"/>
+                      <a:tailEnd type="none" w="med" len="med"/>
+                    </a:lnR>
+                    <a:lnT>
+                      <a:noFill/>
+                    </a:lnT>
+                    <a:lnB>
+                      <a:noFill/>
+                    </a:lnB>
+                  </a:tcPr>
+                </a:tc>
+                <a:tc>
+                  <a:txBody>
+                    <a:bodyPr/>
+                    <a:lstStyle/>
+                    <a:p>
+                      <a:pPr algn="l" fontAlgn="b"/>
+                      <a:r>
+                        <a:rPr lang="en-GB" sz="2200" b="0" i="0" u="none" strike="noStrike">
+                          <a:solidFill>
+                            <a:srgbClr val="000000"/>
+                          </a:solidFill>
+                          <a:effectLst/>
+                          <a:latin typeface="Calibri" panose="020F0502020204030204" pitchFamily="34" charset="0"/>
+                        </a:rPr>
+                        <a:t>Philippines</a:t>
+                      </a:r>
+                    </a:p>
+                  </a:txBody>
+                  <a:tcPr marL="18982" marR="18982" marT="18982" marB="0" anchor="b">
+                    <a:lnL w="6350" cap="flat" cmpd="sng" algn="ctr">
+                      <a:solidFill>
+                        <a:srgbClr val="000000"/>
+                      </a:solidFill>
+                      <a:prstDash val="solid"/>
+                      <a:round/>
+                      <a:headEnd type="none" w="med" len="med"/>
+                      <a:tailEnd type="none" w="med" len="med"/>
+                    </a:lnL>
+                    <a:lnR w="6350" cap="flat" cmpd="sng" algn="ctr">
+                      <a:solidFill>
+                        <a:srgbClr val="000000"/>
+                      </a:solidFill>
+                      <a:prstDash val="solid"/>
+                      <a:round/>
+                      <a:headEnd type="none" w="med" len="med"/>
+                      <a:tailEnd type="none" w="med" len="med"/>
+                    </a:lnR>
+                    <a:lnT>
+                      <a:noFill/>
+                    </a:lnT>
+                    <a:lnB>
+                      <a:noFill/>
+                    </a:lnB>
+                  </a:tcPr>
+                </a:tc>
+                <a:tc>
+                  <a:txBody>
+                    <a:bodyPr/>
+                    <a:lstStyle/>
+                    <a:p>
+                      <a:pPr algn="r" fontAlgn="b"/>
+                      <a:r>
+                        <a:rPr lang="en-GB" sz="2200" b="0" i="0" u="none" strike="noStrike">
+                          <a:solidFill>
+                            <a:srgbClr val="000000"/>
+                          </a:solidFill>
+                          <a:effectLst/>
+                          <a:latin typeface="Calibri" panose="020F0502020204030204" pitchFamily="34" charset="0"/>
+                        </a:rPr>
+                        <a:t>82,85</a:t>
+                      </a:r>
+                    </a:p>
+                  </a:txBody>
+                  <a:tcPr marL="18982" marR="18982" marT="18982" marB="0" anchor="b">
+                    <a:lnL w="6350" cap="flat" cmpd="sng" algn="ctr">
+                      <a:solidFill>
+                        <a:srgbClr val="000000"/>
+                      </a:solidFill>
+                      <a:prstDash val="solid"/>
+                      <a:round/>
+                      <a:headEnd type="none" w="med" len="med"/>
+                      <a:tailEnd type="none" w="med" len="med"/>
+                    </a:lnL>
+                    <a:lnR w="6350" cap="flat" cmpd="sng" algn="ctr">
+                      <a:solidFill>
+                        <a:srgbClr val="000000"/>
+                      </a:solidFill>
+                      <a:prstDash val="solid"/>
+                      <a:round/>
+                      <a:headEnd type="none" w="med" len="med"/>
+                      <a:tailEnd type="none" w="med" len="med"/>
+                    </a:lnR>
+                    <a:lnT>
+                      <a:noFill/>
+                    </a:lnT>
+                    <a:lnB>
+                      <a:noFill/>
+                    </a:lnB>
+                  </a:tcPr>
+                </a:tc>
+                <a:tc>
+                  <a:txBody>
+                    <a:bodyPr/>
+                    <a:lstStyle/>
+                    <a:p>
+                      <a:pPr algn="ctr" fontAlgn="b"/>
+                      <a:r>
+                        <a:rPr lang="en-GB" sz="2200" b="0" i="0" u="none" strike="noStrike">
+                          <a:solidFill>
+                            <a:srgbClr val="000000"/>
+                          </a:solidFill>
+                          <a:effectLst/>
+                          <a:latin typeface="Calibri" panose="020F0502020204030204" pitchFamily="34" charset="0"/>
+                        </a:rPr>
+                        <a:t>7,28</a:t>
+                      </a:r>
+                    </a:p>
+                  </a:txBody>
+                  <a:tcPr marL="18982" marR="18982" marT="18982" marB="0" anchor="b">
+                    <a:lnL w="6350" cap="flat" cmpd="sng" algn="ctr">
+                      <a:solidFill>
+                        <a:srgbClr val="000000"/>
+                      </a:solidFill>
+                      <a:prstDash val="solid"/>
+                      <a:round/>
+                      <a:headEnd type="none" w="med" len="med"/>
+                      <a:tailEnd type="none" w="med" len="med"/>
+                    </a:lnL>
+                    <a:lnR w="6350" cap="flat" cmpd="sng" algn="ctr">
+                      <a:solidFill>
+                        <a:srgbClr val="000000"/>
+                      </a:solidFill>
+                      <a:prstDash val="solid"/>
+                      <a:round/>
+                      <a:headEnd type="none" w="med" len="med"/>
+                      <a:tailEnd type="none" w="med" len="med"/>
+                    </a:lnR>
+                    <a:lnT>
+                      <a:noFill/>
+                    </a:lnT>
+                    <a:lnB>
+                      <a:noFill/>
+                    </a:lnB>
+                  </a:tcPr>
+                </a:tc>
+                <a:extLst>
+                  <a:ext uri="{0D108BD9-81ED-4DB2-BD59-A6C34878D82A}">
+                    <a16:rowId xmlns:a16="http://schemas.microsoft.com/office/drawing/2014/main" val="422039918"/>
+                  </a:ext>
+                </a:extLst>
+              </a:tr>
+              <a:tr h="425958">
+                <a:tc>
+                  <a:txBody>
+                    <a:bodyPr/>
+                    <a:lstStyle/>
+                    <a:p>
+                      <a:pPr algn="r" fontAlgn="b"/>
+                      <a:r>
+                        <a:rPr lang="en-GB" sz="2200" b="0" i="0" u="none" strike="noStrike">
+                          <a:solidFill>
+                            <a:srgbClr val="000000"/>
+                          </a:solidFill>
+                          <a:effectLst/>
+                          <a:latin typeface="Calibri" panose="020F0502020204030204" pitchFamily="34" charset="0"/>
+                        </a:rPr>
+                        <a:t>7</a:t>
+                      </a:r>
+                    </a:p>
+                  </a:txBody>
+                  <a:tcPr marL="18982" marR="18982" marT="18982" marB="0" anchor="b">
+                    <a:lnL w="6350" cap="flat" cmpd="sng" algn="ctr">
+                      <a:solidFill>
+                        <a:srgbClr val="000000"/>
+                      </a:solidFill>
+                      <a:prstDash val="solid"/>
+                      <a:round/>
+                      <a:headEnd type="none" w="med" len="med"/>
+                      <a:tailEnd type="none" w="med" len="med"/>
+                    </a:lnL>
+                    <a:lnR w="6350" cap="flat" cmpd="sng" algn="ctr">
+                      <a:solidFill>
+                        <a:srgbClr val="000000"/>
+                      </a:solidFill>
+                      <a:prstDash val="solid"/>
+                      <a:round/>
+                      <a:headEnd type="none" w="med" len="med"/>
+                      <a:tailEnd type="none" w="med" len="med"/>
+                    </a:lnR>
+                    <a:lnT>
+                      <a:noFill/>
+                    </a:lnT>
+                    <a:lnB>
+                      <a:noFill/>
+                    </a:lnB>
+                  </a:tcPr>
+                </a:tc>
+                <a:tc>
+                  <a:txBody>
+                    <a:bodyPr/>
+                    <a:lstStyle/>
+                    <a:p>
+                      <a:pPr algn="l" fontAlgn="b"/>
+                      <a:r>
+                        <a:rPr lang="en-GB" sz="2200" b="0" i="0" u="none" strike="noStrike">
+                          <a:solidFill>
+                            <a:srgbClr val="000000"/>
+                          </a:solidFill>
+                          <a:effectLst/>
+                          <a:latin typeface="Calibri" panose="020F0502020204030204" pitchFamily="34" charset="0"/>
+                        </a:rPr>
+                        <a:t>Vietnam</a:t>
+                      </a:r>
+                    </a:p>
+                  </a:txBody>
+                  <a:tcPr marL="18982" marR="18982" marT="18982" marB="0" anchor="b">
+                    <a:lnL w="6350" cap="flat" cmpd="sng" algn="ctr">
+                      <a:solidFill>
+                        <a:srgbClr val="000000"/>
+                      </a:solidFill>
+                      <a:prstDash val="solid"/>
+                      <a:round/>
+                      <a:headEnd type="none" w="med" len="med"/>
+                      <a:tailEnd type="none" w="med" len="med"/>
+                    </a:lnL>
+                    <a:lnR w="6350" cap="flat" cmpd="sng" algn="ctr">
+                      <a:solidFill>
+                        <a:srgbClr val="000000"/>
+                      </a:solidFill>
+                      <a:prstDash val="solid"/>
+                      <a:round/>
+                      <a:headEnd type="none" w="med" len="med"/>
+                      <a:tailEnd type="none" w="med" len="med"/>
+                    </a:lnR>
+                    <a:lnT>
+                      <a:noFill/>
+                    </a:lnT>
+                    <a:lnB>
+                      <a:noFill/>
+                    </a:lnB>
+                  </a:tcPr>
+                </a:tc>
+                <a:tc>
+                  <a:txBody>
+                    <a:bodyPr/>
+                    <a:lstStyle/>
+                    <a:p>
+                      <a:pPr algn="r" fontAlgn="b"/>
+                      <a:r>
+                        <a:rPr lang="en-GB" sz="2200" b="0" i="0" u="none" strike="noStrike">
+                          <a:solidFill>
+                            <a:srgbClr val="000000"/>
+                          </a:solidFill>
+                          <a:effectLst/>
+                          <a:latin typeface="Calibri" panose="020F0502020204030204" pitchFamily="34" charset="0"/>
+                        </a:rPr>
+                        <a:t>70,4</a:t>
+                      </a:r>
+                    </a:p>
+                  </a:txBody>
+                  <a:tcPr marL="18982" marR="18982" marT="18982" marB="0" anchor="b">
+                    <a:lnL w="6350" cap="flat" cmpd="sng" algn="ctr">
+                      <a:solidFill>
+                        <a:srgbClr val="000000"/>
+                      </a:solidFill>
+                      <a:prstDash val="solid"/>
+                      <a:round/>
+                      <a:headEnd type="none" w="med" len="med"/>
+                      <a:tailEnd type="none" w="med" len="med"/>
+                    </a:lnL>
+                    <a:lnR w="6350" cap="flat" cmpd="sng" algn="ctr">
+                      <a:solidFill>
+                        <a:srgbClr val="000000"/>
+                      </a:solidFill>
+                      <a:prstDash val="solid"/>
+                      <a:round/>
+                      <a:headEnd type="none" w="med" len="med"/>
+                      <a:tailEnd type="none" w="med" len="med"/>
+                    </a:lnR>
+                    <a:lnT>
+                      <a:noFill/>
+                    </a:lnT>
+                    <a:lnB>
+                      <a:noFill/>
+                    </a:lnB>
+                  </a:tcPr>
+                </a:tc>
+                <a:tc>
+                  <a:txBody>
+                    <a:bodyPr/>
+                    <a:lstStyle/>
+                    <a:p>
+                      <a:pPr algn="ctr" fontAlgn="b"/>
+                      <a:r>
+                        <a:rPr lang="en-GB" sz="2200" b="0" i="0" u="none" strike="noStrike">
+                          <a:solidFill>
+                            <a:srgbClr val="000000"/>
+                          </a:solidFill>
+                          <a:effectLst/>
+                          <a:latin typeface="Calibri" panose="020F0502020204030204" pitchFamily="34" charset="0"/>
+                        </a:rPr>
+                        <a:t>6,19</a:t>
+                      </a:r>
+                    </a:p>
+                  </a:txBody>
+                  <a:tcPr marL="18982" marR="18982" marT="18982" marB="0" anchor="b">
+                    <a:lnL w="6350" cap="flat" cmpd="sng" algn="ctr">
+                      <a:solidFill>
+                        <a:srgbClr val="000000"/>
+                      </a:solidFill>
+                      <a:prstDash val="solid"/>
+                      <a:round/>
+                      <a:headEnd type="none" w="med" len="med"/>
+                      <a:tailEnd type="none" w="med" len="med"/>
+                    </a:lnL>
+                    <a:lnR w="6350" cap="flat" cmpd="sng" algn="ctr">
+                      <a:solidFill>
+                        <a:srgbClr val="000000"/>
+                      </a:solidFill>
+                      <a:prstDash val="solid"/>
+                      <a:round/>
+                      <a:headEnd type="none" w="med" len="med"/>
+                      <a:tailEnd type="none" w="med" len="med"/>
+                    </a:lnR>
+                    <a:lnT>
+                      <a:noFill/>
+                    </a:lnT>
+                    <a:lnB>
+                      <a:noFill/>
+                    </a:lnB>
+                  </a:tcPr>
+                </a:tc>
+                <a:extLst>
+                  <a:ext uri="{0D108BD9-81ED-4DB2-BD59-A6C34878D82A}">
+                    <a16:rowId xmlns:a16="http://schemas.microsoft.com/office/drawing/2014/main" val="3731653625"/>
+                  </a:ext>
+                </a:extLst>
+              </a:tr>
+              <a:tr h="425958">
+                <a:tc>
+                  <a:txBody>
+                    <a:bodyPr/>
+                    <a:lstStyle/>
+                    <a:p>
+                      <a:pPr algn="r" fontAlgn="b"/>
+                      <a:r>
+                        <a:rPr lang="en-GB" sz="2200" b="0" i="0" u="none" strike="noStrike">
+                          <a:solidFill>
+                            <a:srgbClr val="000000"/>
+                          </a:solidFill>
+                          <a:effectLst/>
+                          <a:latin typeface="Calibri" panose="020F0502020204030204" pitchFamily="34" charset="0"/>
+                        </a:rPr>
+                        <a:t>8</a:t>
+                      </a:r>
+                    </a:p>
+                  </a:txBody>
+                  <a:tcPr marL="18982" marR="18982" marT="18982" marB="0" anchor="b">
+                    <a:lnL w="6350" cap="flat" cmpd="sng" algn="ctr">
+                      <a:solidFill>
+                        <a:srgbClr val="000000"/>
+                      </a:solidFill>
+                      <a:prstDash val="solid"/>
+                      <a:round/>
+                      <a:headEnd type="none" w="med" len="med"/>
+                      <a:tailEnd type="none" w="med" len="med"/>
+                    </a:lnL>
+                    <a:lnR w="6350" cap="flat" cmpd="sng" algn="ctr">
+                      <a:solidFill>
+                        <a:srgbClr val="000000"/>
+                      </a:solidFill>
+                      <a:prstDash val="solid"/>
+                      <a:round/>
+                      <a:headEnd type="none" w="med" len="med"/>
+                      <a:tailEnd type="none" w="med" len="med"/>
+                    </a:lnR>
+                    <a:lnT>
+                      <a:noFill/>
+                    </a:lnT>
+                    <a:lnB>
+                      <a:noFill/>
+                    </a:lnB>
+                  </a:tcPr>
+                </a:tc>
+                <a:tc>
+                  <a:txBody>
+                    <a:bodyPr/>
+                    <a:lstStyle/>
+                    <a:p>
+                      <a:pPr algn="l" fontAlgn="b"/>
+                      <a:r>
+                        <a:rPr lang="en-GB" sz="2200" b="0" i="0" u="none" strike="noStrike">
+                          <a:solidFill>
+                            <a:srgbClr val="000000"/>
+                          </a:solidFill>
+                          <a:effectLst/>
+                          <a:latin typeface="Calibri" panose="020F0502020204030204" pitchFamily="34" charset="0"/>
+                        </a:rPr>
+                        <a:t>Thailand</a:t>
+                      </a:r>
+                    </a:p>
+                  </a:txBody>
+                  <a:tcPr marL="18982" marR="18982" marT="18982" marB="0" anchor="b">
+                    <a:lnL w="6350" cap="flat" cmpd="sng" algn="ctr">
+                      <a:solidFill>
+                        <a:srgbClr val="000000"/>
+                      </a:solidFill>
+                      <a:prstDash val="solid"/>
+                      <a:round/>
+                      <a:headEnd type="none" w="med" len="med"/>
+                      <a:tailEnd type="none" w="med" len="med"/>
+                    </a:lnL>
+                    <a:lnR w="6350" cap="flat" cmpd="sng" algn="ctr">
+                      <a:solidFill>
+                        <a:srgbClr val="000000"/>
+                      </a:solidFill>
+                      <a:prstDash val="solid"/>
+                      <a:round/>
+                      <a:headEnd type="none" w="med" len="med"/>
+                      <a:tailEnd type="none" w="med" len="med"/>
+                    </a:lnR>
+                    <a:lnT>
+                      <a:noFill/>
+                    </a:lnT>
+                    <a:lnB>
+                      <a:noFill/>
+                    </a:lnB>
+                  </a:tcPr>
+                </a:tc>
+                <a:tc>
+                  <a:txBody>
+                    <a:bodyPr/>
+                    <a:lstStyle/>
+                    <a:p>
+                      <a:pPr algn="r" fontAlgn="b"/>
+                      <a:r>
+                        <a:rPr lang="en-GB" sz="2200" b="0" i="0" u="none" strike="noStrike">
+                          <a:solidFill>
+                            <a:srgbClr val="000000"/>
+                          </a:solidFill>
+                          <a:effectLst/>
+                          <a:latin typeface="Calibri" panose="020F0502020204030204" pitchFamily="34" charset="0"/>
+                        </a:rPr>
+                        <a:t>50,05</a:t>
+                      </a:r>
+                    </a:p>
+                  </a:txBody>
+                  <a:tcPr marL="18982" marR="18982" marT="18982" marB="0" anchor="b">
+                    <a:lnL w="6350" cap="flat" cmpd="sng" algn="ctr">
+                      <a:solidFill>
+                        <a:srgbClr val="000000"/>
+                      </a:solidFill>
+                      <a:prstDash val="solid"/>
+                      <a:round/>
+                      <a:headEnd type="none" w="med" len="med"/>
+                      <a:tailEnd type="none" w="med" len="med"/>
+                    </a:lnL>
+                    <a:lnR w="6350" cap="flat" cmpd="sng" algn="ctr">
+                      <a:solidFill>
+                        <a:srgbClr val="000000"/>
+                      </a:solidFill>
+                      <a:prstDash val="solid"/>
+                      <a:round/>
+                      <a:headEnd type="none" w="med" len="med"/>
+                      <a:tailEnd type="none" w="med" len="med"/>
+                    </a:lnR>
+                    <a:lnT>
+                      <a:noFill/>
+                    </a:lnT>
+                    <a:lnB>
+                      <a:noFill/>
+                    </a:lnB>
+                  </a:tcPr>
+                </a:tc>
+                <a:tc>
+                  <a:txBody>
+                    <a:bodyPr/>
+                    <a:lstStyle/>
+                    <a:p>
+                      <a:pPr algn="ctr" fontAlgn="b"/>
+                      <a:r>
+                        <a:rPr lang="en-GB" sz="2200" b="0" i="0" u="none" strike="noStrike">
+                          <a:solidFill>
+                            <a:srgbClr val="000000"/>
+                          </a:solidFill>
+                          <a:effectLst/>
+                          <a:latin typeface="Calibri" panose="020F0502020204030204" pitchFamily="34" charset="0"/>
+                        </a:rPr>
+                        <a:t>4,40</a:t>
+                      </a:r>
+                    </a:p>
+                  </a:txBody>
+                  <a:tcPr marL="18982" marR="18982" marT="18982" marB="0" anchor="b">
+                    <a:lnL w="6350" cap="flat" cmpd="sng" algn="ctr">
+                      <a:solidFill>
+                        <a:srgbClr val="000000"/>
+                      </a:solidFill>
+                      <a:prstDash val="solid"/>
+                      <a:round/>
+                      <a:headEnd type="none" w="med" len="med"/>
+                      <a:tailEnd type="none" w="med" len="med"/>
+                    </a:lnL>
+                    <a:lnR w="6350" cap="flat" cmpd="sng" algn="ctr">
+                      <a:solidFill>
+                        <a:srgbClr val="000000"/>
+                      </a:solidFill>
+                      <a:prstDash val="solid"/>
+                      <a:round/>
+                      <a:headEnd type="none" w="med" len="med"/>
+                      <a:tailEnd type="none" w="med" len="med"/>
+                    </a:lnR>
+                    <a:lnT>
+                      <a:noFill/>
+                    </a:lnT>
+                    <a:lnB>
+                      <a:noFill/>
+                    </a:lnB>
+                  </a:tcPr>
+                </a:tc>
+                <a:extLst>
+                  <a:ext uri="{0D108BD9-81ED-4DB2-BD59-A6C34878D82A}">
+                    <a16:rowId xmlns:a16="http://schemas.microsoft.com/office/drawing/2014/main" val="1229344241"/>
+                  </a:ext>
+                </a:extLst>
+              </a:tr>
+              <a:tr h="425958">
+                <a:tc>
+                  <a:txBody>
+                    <a:bodyPr/>
+                    <a:lstStyle/>
+                    <a:p>
+                      <a:pPr algn="r" fontAlgn="b"/>
+                      <a:r>
+                        <a:rPr lang="en-GB" sz="2200" b="0" i="0" u="none" strike="noStrike">
+                          <a:solidFill>
+                            <a:srgbClr val="000000"/>
+                          </a:solidFill>
+                          <a:effectLst/>
+                          <a:latin typeface="Calibri" panose="020F0502020204030204" pitchFamily="34" charset="0"/>
+                        </a:rPr>
+                        <a:t>9</a:t>
+                      </a:r>
+                    </a:p>
+                  </a:txBody>
+                  <a:tcPr marL="18982" marR="18982" marT="18982" marB="0" anchor="b">
+                    <a:lnL w="6350" cap="flat" cmpd="sng" algn="ctr">
+                      <a:solidFill>
+                        <a:srgbClr val="000000"/>
+                      </a:solidFill>
+                      <a:prstDash val="solid"/>
+                      <a:round/>
+                      <a:headEnd type="none" w="med" len="med"/>
+                      <a:tailEnd type="none" w="med" len="med"/>
+                    </a:lnL>
+                    <a:lnR w="6350" cap="flat" cmpd="sng" algn="ctr">
+                      <a:solidFill>
+                        <a:srgbClr val="000000"/>
+                      </a:solidFill>
+                      <a:prstDash val="solid"/>
+                      <a:round/>
+                      <a:headEnd type="none" w="med" len="med"/>
+                      <a:tailEnd type="none" w="med" len="med"/>
+                    </a:lnR>
+                    <a:lnT>
+                      <a:noFill/>
+                    </a:lnT>
+                    <a:lnB>
+                      <a:noFill/>
+                    </a:lnB>
+                  </a:tcPr>
+                </a:tc>
+                <a:tc>
+                  <a:txBody>
+                    <a:bodyPr/>
+                    <a:lstStyle/>
+                    <a:p>
+                      <a:pPr algn="l" fontAlgn="b"/>
+                      <a:r>
+                        <a:rPr lang="en-GB" sz="2200" b="0" i="0" u="none" strike="noStrike">
+                          <a:solidFill>
+                            <a:srgbClr val="000000"/>
+                          </a:solidFill>
+                          <a:effectLst/>
+                          <a:latin typeface="Calibri" panose="020F0502020204030204" pitchFamily="34" charset="0"/>
+                        </a:rPr>
+                        <a:t>Egypt</a:t>
+                      </a:r>
+                    </a:p>
+                  </a:txBody>
+                  <a:tcPr marL="18982" marR="18982" marT="18982" marB="0" anchor="b">
+                    <a:lnL w="6350" cap="flat" cmpd="sng" algn="ctr">
+                      <a:solidFill>
+                        <a:srgbClr val="000000"/>
+                      </a:solidFill>
+                      <a:prstDash val="solid"/>
+                      <a:round/>
+                      <a:headEnd type="none" w="med" len="med"/>
+                      <a:tailEnd type="none" w="med" len="med"/>
+                    </a:lnL>
+                    <a:lnR w="6350" cap="flat" cmpd="sng" algn="ctr">
+                      <a:solidFill>
+                        <a:srgbClr val="000000"/>
+                      </a:solidFill>
+                      <a:prstDash val="solid"/>
+                      <a:round/>
+                      <a:headEnd type="none" w="med" len="med"/>
+                      <a:tailEnd type="none" w="med" len="med"/>
+                    </a:lnR>
+                    <a:lnT>
+                      <a:noFill/>
+                    </a:lnT>
+                    <a:lnB>
+                      <a:noFill/>
+                    </a:lnB>
+                  </a:tcPr>
+                </a:tc>
+                <a:tc>
+                  <a:txBody>
+                    <a:bodyPr/>
+                    <a:lstStyle/>
+                    <a:p>
+                      <a:pPr algn="r" fontAlgn="b"/>
+                      <a:r>
+                        <a:rPr lang="en-GB" sz="2200" b="0" i="0" u="none" strike="noStrike">
+                          <a:solidFill>
+                            <a:srgbClr val="000000"/>
+                          </a:solidFill>
+                          <a:effectLst/>
+                          <a:latin typeface="Calibri" panose="020F0502020204030204" pitchFamily="34" charset="0"/>
+                        </a:rPr>
+                        <a:t>44,7</a:t>
+                      </a:r>
+                    </a:p>
+                  </a:txBody>
+                  <a:tcPr marL="18982" marR="18982" marT="18982" marB="0" anchor="b">
+                    <a:lnL w="6350" cap="flat" cmpd="sng" algn="ctr">
+                      <a:solidFill>
+                        <a:srgbClr val="000000"/>
+                      </a:solidFill>
+                      <a:prstDash val="solid"/>
+                      <a:round/>
+                      <a:headEnd type="none" w="med" len="med"/>
+                      <a:tailEnd type="none" w="med" len="med"/>
+                    </a:lnL>
+                    <a:lnR w="6350" cap="flat" cmpd="sng" algn="ctr">
+                      <a:solidFill>
+                        <a:srgbClr val="000000"/>
+                      </a:solidFill>
+                      <a:prstDash val="solid"/>
+                      <a:round/>
+                      <a:headEnd type="none" w="med" len="med"/>
+                      <a:tailEnd type="none" w="med" len="med"/>
+                    </a:lnR>
+                    <a:lnT>
+                      <a:noFill/>
+                    </a:lnT>
+                    <a:lnB>
+                      <a:noFill/>
+                    </a:lnB>
+                  </a:tcPr>
+                </a:tc>
+                <a:tc>
+                  <a:txBody>
+                    <a:bodyPr/>
+                    <a:lstStyle/>
+                    <a:p>
+                      <a:pPr algn="ctr" fontAlgn="b"/>
+                      <a:r>
+                        <a:rPr lang="en-GB" sz="2200" b="0" i="0" u="none" strike="noStrike">
+                          <a:solidFill>
+                            <a:srgbClr val="000000"/>
+                          </a:solidFill>
+                          <a:effectLst/>
+                          <a:latin typeface="Calibri" panose="020F0502020204030204" pitchFamily="34" charset="0"/>
+                        </a:rPr>
+                        <a:t>3,93</a:t>
+                      </a:r>
+                    </a:p>
+                  </a:txBody>
+                  <a:tcPr marL="18982" marR="18982" marT="18982" marB="0" anchor="b">
+                    <a:lnL w="6350" cap="flat" cmpd="sng" algn="ctr">
+                      <a:solidFill>
+                        <a:srgbClr val="000000"/>
+                      </a:solidFill>
+                      <a:prstDash val="solid"/>
+                      <a:round/>
+                      <a:headEnd type="none" w="med" len="med"/>
+                      <a:tailEnd type="none" w="med" len="med"/>
+                    </a:lnL>
+                    <a:lnR w="6350" cap="flat" cmpd="sng" algn="ctr">
+                      <a:solidFill>
+                        <a:srgbClr val="000000"/>
+                      </a:solidFill>
+                      <a:prstDash val="solid"/>
+                      <a:round/>
+                      <a:headEnd type="none" w="med" len="med"/>
+                      <a:tailEnd type="none" w="med" len="med"/>
+                    </a:lnR>
+                    <a:lnT>
+                      <a:noFill/>
+                    </a:lnT>
+                    <a:lnB>
+                      <a:noFill/>
+                    </a:lnB>
+                  </a:tcPr>
+                </a:tc>
+                <a:extLst>
+                  <a:ext uri="{0D108BD9-81ED-4DB2-BD59-A6C34878D82A}">
+                    <a16:rowId xmlns:a16="http://schemas.microsoft.com/office/drawing/2014/main" val="2343225628"/>
+                  </a:ext>
+                </a:extLst>
+              </a:tr>
+              <a:tr h="425958">
+                <a:tc>
+                  <a:txBody>
+                    <a:bodyPr/>
+                    <a:lstStyle/>
+                    <a:p>
+                      <a:pPr algn="r" fontAlgn="b"/>
+                      <a:r>
+                        <a:rPr lang="en-GB" sz="2200" b="0" i="0" u="none" strike="noStrike">
+                          <a:solidFill>
+                            <a:srgbClr val="000000"/>
+                          </a:solidFill>
+                          <a:effectLst/>
+                          <a:latin typeface="Calibri" panose="020F0502020204030204" pitchFamily="34" charset="0"/>
+                        </a:rPr>
+                        <a:t>10</a:t>
+                      </a:r>
+                    </a:p>
+                  </a:txBody>
+                  <a:tcPr marL="18982" marR="18982" marT="18982" marB="0" anchor="b">
+                    <a:lnL w="6350" cap="flat" cmpd="sng" algn="ctr">
+                      <a:solidFill>
+                        <a:srgbClr val="000000"/>
+                      </a:solidFill>
+                      <a:prstDash val="solid"/>
+                      <a:round/>
+                      <a:headEnd type="none" w="med" len="med"/>
+                      <a:tailEnd type="none" w="med" len="med"/>
+                    </a:lnL>
+                    <a:lnR w="6350" cap="flat" cmpd="sng" algn="ctr">
+                      <a:solidFill>
+                        <a:srgbClr val="000000"/>
+                      </a:solidFill>
+                      <a:prstDash val="solid"/>
+                      <a:round/>
+                      <a:headEnd type="none" w="med" len="med"/>
+                      <a:tailEnd type="none" w="med" len="med"/>
+                    </a:lnR>
+                    <a:lnT>
+                      <a:noFill/>
+                    </a:lnT>
+                    <a:lnB w="6350" cap="flat" cmpd="sng" algn="ctr">
+                      <a:solidFill>
+                        <a:srgbClr val="000000"/>
+                      </a:solidFill>
+                      <a:prstDash val="solid"/>
+                      <a:round/>
+                      <a:headEnd type="none" w="med" len="med"/>
+                      <a:tailEnd type="none" w="med" len="med"/>
+                    </a:lnB>
+                  </a:tcPr>
+                </a:tc>
+                <a:tc>
+                  <a:txBody>
+                    <a:bodyPr/>
+                    <a:lstStyle/>
+                    <a:p>
+                      <a:pPr algn="l" fontAlgn="b"/>
+                      <a:r>
+                        <a:rPr lang="en-GB" sz="2200" b="0" i="0" u="none" strike="noStrike">
+                          <a:solidFill>
+                            <a:srgbClr val="000000"/>
+                          </a:solidFill>
+                          <a:effectLst/>
+                          <a:latin typeface="Calibri" panose="020F0502020204030204" pitchFamily="34" charset="0"/>
+                        </a:rPr>
+                        <a:t>Bangladesh</a:t>
+                      </a:r>
+                    </a:p>
+                  </a:txBody>
+                  <a:tcPr marL="18982" marR="18982" marT="18982" marB="0" anchor="b">
+                    <a:lnL w="6350" cap="flat" cmpd="sng" algn="ctr">
+                      <a:solidFill>
+                        <a:srgbClr val="000000"/>
+                      </a:solidFill>
+                      <a:prstDash val="solid"/>
+                      <a:round/>
+                      <a:headEnd type="none" w="med" len="med"/>
+                      <a:tailEnd type="none" w="med" len="med"/>
+                    </a:lnL>
+                    <a:lnR w="6350" cap="flat" cmpd="sng" algn="ctr">
+                      <a:solidFill>
+                        <a:srgbClr val="000000"/>
+                      </a:solidFill>
+                      <a:prstDash val="solid"/>
+                      <a:round/>
+                      <a:headEnd type="none" w="med" len="med"/>
+                      <a:tailEnd type="none" w="med" len="med"/>
+                    </a:lnR>
+                    <a:lnT>
+                      <a:noFill/>
+                    </a:lnT>
+                    <a:lnB w="6350" cap="flat" cmpd="sng" algn="ctr">
+                      <a:solidFill>
+                        <a:srgbClr val="000000"/>
+                      </a:solidFill>
+                      <a:prstDash val="solid"/>
+                      <a:round/>
+                      <a:headEnd type="none" w="med" len="med"/>
+                      <a:tailEnd type="none" w="med" len="med"/>
+                    </a:lnB>
+                  </a:tcPr>
+                </a:tc>
+                <a:tc>
+                  <a:txBody>
+                    <a:bodyPr/>
+                    <a:lstStyle/>
+                    <a:p>
+                      <a:pPr algn="r" fontAlgn="b"/>
+                      <a:r>
+                        <a:rPr lang="en-GB" sz="2200" b="0" i="0" u="none" strike="noStrike">
+                          <a:solidFill>
+                            <a:srgbClr val="000000"/>
+                          </a:solidFill>
+                          <a:effectLst/>
+                          <a:latin typeface="Calibri" panose="020F0502020204030204" pitchFamily="34" charset="0"/>
+                        </a:rPr>
+                        <a:t>44,7</a:t>
+                      </a:r>
+                    </a:p>
+                  </a:txBody>
+                  <a:tcPr marL="18982" marR="18982" marT="18982" marB="0" anchor="b">
+                    <a:lnL w="6350" cap="flat" cmpd="sng" algn="ctr">
+                      <a:solidFill>
+                        <a:srgbClr val="000000"/>
+                      </a:solidFill>
+                      <a:prstDash val="solid"/>
+                      <a:round/>
+                      <a:headEnd type="none" w="med" len="med"/>
+                      <a:tailEnd type="none" w="med" len="med"/>
+                    </a:lnL>
+                    <a:lnR w="6350" cap="flat" cmpd="sng" algn="ctr">
+                      <a:solidFill>
+                        <a:srgbClr val="000000"/>
+                      </a:solidFill>
+                      <a:prstDash val="solid"/>
+                      <a:round/>
+                      <a:headEnd type="none" w="med" len="med"/>
+                      <a:tailEnd type="none" w="med" len="med"/>
+                    </a:lnR>
+                    <a:lnT>
+                      <a:noFill/>
+                    </a:lnT>
+                    <a:lnB w="6350" cap="flat" cmpd="sng" algn="ctr">
+                      <a:solidFill>
+                        <a:srgbClr val="000000"/>
+                      </a:solidFill>
+                      <a:prstDash val="solid"/>
+                      <a:round/>
+                      <a:headEnd type="none" w="med" len="med"/>
+                      <a:tailEnd type="none" w="med" len="med"/>
+                    </a:lnB>
+                  </a:tcPr>
+                </a:tc>
+                <a:tc>
+                  <a:txBody>
+                    <a:bodyPr/>
+                    <a:lstStyle/>
+                    <a:p>
+                      <a:pPr algn="ctr" fontAlgn="b"/>
+                      <a:r>
+                        <a:rPr lang="en-GB" sz="2200" b="0" i="0" u="none" strike="noStrike">
+                          <a:solidFill>
+                            <a:srgbClr val="000000"/>
+                          </a:solidFill>
+                          <a:effectLst/>
+                          <a:latin typeface="Calibri" panose="020F0502020204030204" pitchFamily="34" charset="0"/>
+                        </a:rPr>
+                        <a:t>3,93</a:t>
+                      </a:r>
+                    </a:p>
+                  </a:txBody>
+                  <a:tcPr marL="18982" marR="18982" marT="18982" marB="0" anchor="b">
+                    <a:lnL w="6350" cap="flat" cmpd="sng" algn="ctr">
+                      <a:solidFill>
+                        <a:srgbClr val="000000"/>
+                      </a:solidFill>
+                      <a:prstDash val="solid"/>
+                      <a:round/>
+                      <a:headEnd type="none" w="med" len="med"/>
+                      <a:tailEnd type="none" w="med" len="med"/>
+                    </a:lnL>
+                    <a:lnR w="6350" cap="flat" cmpd="sng" algn="ctr">
+                      <a:solidFill>
+                        <a:srgbClr val="000000"/>
+                      </a:solidFill>
+                      <a:prstDash val="solid"/>
+                      <a:round/>
+                      <a:headEnd type="none" w="med" len="med"/>
+                      <a:tailEnd type="none" w="med" len="med"/>
+                    </a:lnR>
+                    <a:lnT>
+                      <a:noFill/>
+                    </a:lnT>
+                    <a:lnB w="6350" cap="flat" cmpd="sng" algn="ctr">
+                      <a:solidFill>
+                        <a:srgbClr val="000000"/>
+                      </a:solidFill>
+                      <a:prstDash val="solid"/>
+                      <a:round/>
+                      <a:headEnd type="none" w="med" len="med"/>
+                      <a:tailEnd type="none" w="med" len="med"/>
+                    </a:lnB>
+                  </a:tcPr>
+                </a:tc>
+                <a:extLst>
+                  <a:ext uri="{0D108BD9-81ED-4DB2-BD59-A6C34878D82A}">
+                    <a16:rowId xmlns:a16="http://schemas.microsoft.com/office/drawing/2014/main" val="997518409"/>
+                  </a:ext>
+                </a:extLst>
+              </a:tr>
+              <a:tr h="425958">
+                <a:tc>
+                  <a:txBody>
+                    <a:bodyPr/>
+                    <a:lstStyle/>
+                    <a:p>
+                      <a:pPr algn="l" fontAlgn="b"/>
+                      <a:endParaRPr lang="en-GB" sz="2200" b="0" i="0" u="none" strike="noStrike">
+                        <a:solidFill>
+                          <a:srgbClr val="000000"/>
+                        </a:solidFill>
+                        <a:effectLst/>
+                        <a:latin typeface="Calibri" panose="020F0502020204030204" pitchFamily="34" charset="0"/>
+                      </a:endParaRPr>
+                    </a:p>
+                  </a:txBody>
+                  <a:tcPr marL="18982" marR="18982" marT="18982" marB="0" anchor="b">
+                    <a:lnL>
+                      <a:noFill/>
+                    </a:lnL>
+                    <a:lnR w="6350" cap="flat" cmpd="sng" algn="ctr">
+                      <a:solidFill>
+                        <a:srgbClr val="000000"/>
+                      </a:solidFill>
+                      <a:prstDash val="solid"/>
+                      <a:round/>
+                      <a:headEnd type="none" w="med" len="med"/>
+                      <a:tailEnd type="none" w="med" len="med"/>
+                    </a:lnR>
+                    <a:lnT w="6350" cap="flat" cmpd="sng" algn="ctr">
+                      <a:solidFill>
+                        <a:srgbClr val="000000"/>
+                      </a:solidFill>
+                      <a:prstDash val="solid"/>
+                      <a:round/>
+                      <a:headEnd type="none" w="med" len="med"/>
+                      <a:tailEnd type="none" w="med" len="med"/>
+                    </a:lnT>
+                    <a:lnB>
+                      <a:noFill/>
+                    </a:lnB>
+                  </a:tcPr>
+                </a:tc>
+                <a:tc>
+                  <a:txBody>
+                    <a:bodyPr/>
+                    <a:lstStyle/>
+                    <a:p>
+                      <a:pPr algn="l" fontAlgn="b"/>
+                      <a:r>
+                        <a:rPr lang="en-GB" sz="2200" b="0" i="0" u="none" strike="noStrike">
+                          <a:solidFill>
+                            <a:srgbClr val="000000"/>
+                          </a:solidFill>
+                          <a:effectLst/>
+                          <a:latin typeface="Calibri" panose="020F0502020204030204" pitchFamily="34" charset="0"/>
+                        </a:rPr>
+                        <a:t>Celkom</a:t>
+                      </a:r>
+                    </a:p>
+                  </a:txBody>
+                  <a:tcPr marL="18982" marR="18982" marT="18982" marB="0" anchor="b">
+                    <a:lnL w="6350" cap="flat" cmpd="sng" algn="ctr">
+                      <a:solidFill>
+                        <a:srgbClr val="000000"/>
+                      </a:solidFill>
+                      <a:prstDash val="solid"/>
+                      <a:round/>
+                      <a:headEnd type="none" w="med" len="med"/>
+                      <a:tailEnd type="none" w="med" len="med"/>
+                    </a:lnL>
+                    <a:lnR w="6350" cap="flat" cmpd="sng" algn="ctr">
+                      <a:solidFill>
+                        <a:srgbClr val="000000"/>
+                      </a:solidFill>
+                      <a:prstDash val="solid"/>
+                      <a:round/>
+                      <a:headEnd type="none" w="med" len="med"/>
+                      <a:tailEnd type="none" w="med" len="med"/>
+                    </a:lnR>
+                    <a:lnT w="6350" cap="flat" cmpd="sng" algn="ctr">
+                      <a:solidFill>
+                        <a:srgbClr val="000000"/>
+                      </a:solidFill>
+                      <a:prstDash val="solid"/>
+                      <a:round/>
+                      <a:headEnd type="none" w="med" len="med"/>
+                      <a:tailEnd type="none" w="med" len="med"/>
+                    </a:lnT>
+                    <a:lnB w="6350" cap="flat" cmpd="sng" algn="ctr">
+                      <a:solidFill>
+                        <a:srgbClr val="000000"/>
+                      </a:solidFill>
+                      <a:prstDash val="solid"/>
+                      <a:round/>
+                      <a:headEnd type="none" w="med" len="med"/>
+                      <a:tailEnd type="none" w="med" len="med"/>
+                    </a:lnB>
+                  </a:tcPr>
+                </a:tc>
+                <a:tc>
+                  <a:txBody>
+                    <a:bodyPr/>
+                    <a:lstStyle/>
+                    <a:p>
+                      <a:pPr algn="r" fontAlgn="b"/>
+                      <a:r>
+                        <a:rPr lang="en-GB" sz="2200" b="0" i="0" u="none" strike="noStrike">
+                          <a:solidFill>
+                            <a:srgbClr val="000000"/>
+                          </a:solidFill>
+                          <a:effectLst/>
+                          <a:latin typeface="Calibri" panose="020F0502020204030204" pitchFamily="34" charset="0"/>
+                        </a:rPr>
+                        <a:t>1137,55</a:t>
+                      </a:r>
+                    </a:p>
+                  </a:txBody>
+                  <a:tcPr marL="18982" marR="18982" marT="18982" marB="0" anchor="b">
+                    <a:lnL w="6350" cap="flat" cmpd="sng" algn="ctr">
+                      <a:solidFill>
+                        <a:srgbClr val="000000"/>
+                      </a:solidFill>
+                      <a:prstDash val="solid"/>
+                      <a:round/>
+                      <a:headEnd type="none" w="med" len="med"/>
+                      <a:tailEnd type="none" w="med" len="med"/>
+                    </a:lnL>
+                    <a:lnR w="6350" cap="flat" cmpd="sng" algn="ctr">
+                      <a:solidFill>
+                        <a:srgbClr val="000000"/>
+                      </a:solidFill>
+                      <a:prstDash val="solid"/>
+                      <a:round/>
+                      <a:headEnd type="none" w="med" len="med"/>
+                      <a:tailEnd type="none" w="med" len="med"/>
+                    </a:lnR>
+                    <a:lnT w="6350" cap="flat" cmpd="sng" algn="ctr">
+                      <a:solidFill>
+                        <a:srgbClr val="000000"/>
+                      </a:solidFill>
+                      <a:prstDash val="solid"/>
+                      <a:round/>
+                      <a:headEnd type="none" w="med" len="med"/>
+                      <a:tailEnd type="none" w="med" len="med"/>
+                    </a:lnT>
+                    <a:lnB w="6350" cap="flat" cmpd="sng" algn="ctr">
+                      <a:solidFill>
+                        <a:srgbClr val="000000"/>
+                      </a:solidFill>
+                      <a:prstDash val="solid"/>
+                      <a:round/>
+                      <a:headEnd type="none" w="med" len="med"/>
+                      <a:tailEnd type="none" w="med" len="med"/>
+                    </a:lnB>
+                  </a:tcPr>
+                </a:tc>
+                <a:tc>
+                  <a:txBody>
+                    <a:bodyPr/>
+                    <a:lstStyle/>
+                    <a:p>
+                      <a:pPr algn="l" fontAlgn="b"/>
+                      <a:endParaRPr lang="en-GB" sz="2200" b="0" i="0" u="none" strike="noStrike" dirty="0">
+                        <a:solidFill>
+                          <a:srgbClr val="000000"/>
+                        </a:solidFill>
+                        <a:effectLst/>
+                        <a:latin typeface="Calibri" panose="020F0502020204030204" pitchFamily="34" charset="0"/>
+                      </a:endParaRPr>
+                    </a:p>
+                  </a:txBody>
+                  <a:tcPr marL="18982" marR="18982" marT="18982" marB="0" anchor="b">
+                    <a:lnL w="6350" cap="flat" cmpd="sng" algn="ctr">
+                      <a:solidFill>
+                        <a:srgbClr val="000000"/>
+                      </a:solidFill>
+                      <a:prstDash val="solid"/>
+                      <a:round/>
+                      <a:headEnd type="none" w="med" len="med"/>
+                      <a:tailEnd type="none" w="med" len="med"/>
+                    </a:lnL>
+                    <a:lnR>
+                      <a:noFill/>
+                    </a:lnR>
+                    <a:lnT w="6350" cap="flat" cmpd="sng" algn="ctr">
+                      <a:solidFill>
+                        <a:srgbClr val="000000"/>
+                      </a:solidFill>
+                      <a:prstDash val="solid"/>
+                      <a:round/>
+                      <a:headEnd type="none" w="med" len="med"/>
+                      <a:tailEnd type="none" w="med" len="med"/>
+                    </a:lnT>
+                    <a:lnB>
+                      <a:noFill/>
+                    </a:lnB>
+                  </a:tcPr>
+                </a:tc>
+                <a:extLst>
+                  <a:ext uri="{0D108BD9-81ED-4DB2-BD59-A6C34878D82A}">
+                    <a16:rowId xmlns:a16="http://schemas.microsoft.com/office/drawing/2014/main" val="394372011"/>
+                  </a:ext>
+                </a:extLst>
+              </a:tr>
+            </a:tbl>
+          </a:graphicData>
+        </a:graphic>
+      </p:graphicFrame>
+      <p:sp>
+        <p:nvSpPr>
+          <p:cNvPr id="6" name="Nadpis 5">
+            <a:extLst>
+              <a:ext uri="{FF2B5EF4-FFF2-40B4-BE49-F238E27FC236}">
+                <a16:creationId xmlns:a16="http://schemas.microsoft.com/office/drawing/2014/main" id="{4D3EB1E1-8E40-76E7-5394-89FDD3EE76BC}"/>
+              </a:ext>
+            </a:extLst>
+          </p:cNvPr>
+          <p:cNvSpPr>
+            <a:spLocks noGrp="1"/>
+          </p:cNvSpPr>
+          <p:nvPr>
+            <p:ph type="title" idx="4294967295"/>
+          </p:nvPr>
+        </p:nvSpPr>
+        <p:spPr/>
+        <p:txBody>
+          <a:bodyPr/>
+          <a:lstStyle/>
+          <a:p>
+            <a:r>
+              <a:rPr lang="en-GB" dirty="0"/>
+              <a:t>t</a:t>
+            </a:r>
+            <a:r>
+              <a:rPr lang="sk-SK" dirty="0" err="1"/>
+              <a:t>abuľka</a:t>
+            </a:r>
+            <a:endParaRPr lang="en-GB" dirty="0"/>
+          </a:p>
+        </p:txBody>
+      </p:sp>
+    </p:spTree>
+    <p:extLst>
+      <p:ext uri="{BB962C8B-B14F-4D97-AF65-F5344CB8AC3E}">
+        <p14:creationId xmlns:p14="http://schemas.microsoft.com/office/powerpoint/2010/main" val="4149586381"/>
+      </p:ext>
+    </p:extLst>
+  </p:cSld>
+  <p:clrMapOvr>
+    <a:masterClrMapping/>
+  </p:clrMapOvr>
+</p:sld>
+</file>
+
+<file path=ppt/slides/slide4.xml><?xml version="1.0" encoding="utf-8"?>
+<p:sld xmlns:a="http://schemas.openxmlformats.org/drawingml/2006/main" xmlns:r="http://schemas.openxmlformats.org/officeDocument/2006/relationships" xmlns:p="http://schemas.openxmlformats.org/presentationml/2006/main">
+  <p:cSld>
+    <p:spTree>
+      <p:nvGrpSpPr>
+        <p:cNvPr id="1" name=""/>
+        <p:cNvGrpSpPr/>
+        <p:nvPr/>
+      </p:nvGrpSpPr>
+      <p:grpSpPr>
+        <a:xfrm>
+          <a:off x="0" y="0"/>
+          <a:ext cx="0" cy="0"/>
+          <a:chOff x="0" y="0"/>
+          <a:chExt cx="0" cy="0"/>
+        </a:xfrm>
+      </p:grpSpPr>
+      <p:pic>
+        <p:nvPicPr>
+          <p:cNvPr id="3" name="Grafický objekt 2">
+            <a:extLst>
+              <a:ext uri="{FF2B5EF4-FFF2-40B4-BE49-F238E27FC236}">
+                <a16:creationId xmlns:a16="http://schemas.microsoft.com/office/drawing/2014/main" id="{223EC6A9-4211-7FD0-BBD1-4E9E1B25E3B7}"/>
+              </a:ext>
+            </a:extLst>
+          </p:cNvPr>
+          <p:cNvPicPr>
+            <a:picLocks noChangeAspect="1"/>
+          </p:cNvPicPr>
+          <p:nvPr/>
+        </p:nvPicPr>
+        <p:blipFill>
+          <a:blip r:embed="rId2">
+            <a:extLst>
+              <a:ext uri="{96DAC541-7B7A-43D3-8B79-37D633B846F1}">
+                <asvg:svgBlip xmlns:asvg="http://schemas.microsoft.com/office/drawing/2016/SVG/main" r:embed="rId3"/>
+              </a:ext>
+            </a:extLst>
+          </a:blip>
+          <a:stretch>
+            <a:fillRect/>
+          </a:stretch>
+        </p:blipFill>
+        <p:spPr>
+          <a:xfrm>
+            <a:off x="3151401" y="1432718"/>
+            <a:ext cx="6645062" cy="3992563"/>
+          </a:xfrm>
+          <a:prstGeom prst="rect">
+            <a:avLst/>
+          </a:prstGeom>
+        </p:spPr>
+      </p:pic>
+      <p:sp>
+        <p:nvSpPr>
+          <p:cNvPr id="4" name="Nadpis 3">
+            <a:extLst>
+              <a:ext uri="{FF2B5EF4-FFF2-40B4-BE49-F238E27FC236}">
+                <a16:creationId xmlns:a16="http://schemas.microsoft.com/office/drawing/2014/main" id="{743D293C-1599-B1D7-82ED-A7BA73A81849}"/>
+              </a:ext>
+            </a:extLst>
+          </p:cNvPr>
+          <p:cNvSpPr>
+            <a:spLocks noGrp="1"/>
+          </p:cNvSpPr>
+          <p:nvPr>
+            <p:ph type="title" idx="4294967295"/>
+          </p:nvPr>
+        </p:nvSpPr>
+        <p:spPr/>
+        <p:txBody>
+          <a:bodyPr/>
+          <a:lstStyle/>
+          <a:p>
+            <a:r>
+              <a:rPr lang="en-GB" dirty="0"/>
+              <a:t>g</a:t>
+            </a:r>
+            <a:r>
+              <a:rPr lang="sk-SK" dirty="0"/>
+              <a:t>raf</a:t>
+            </a:r>
+            <a:endParaRPr lang="en-GB" dirty="0"/>
+          </a:p>
+        </p:txBody>
+      </p:sp>
+    </p:spTree>
+    <p:extLst>
+      <p:ext uri="{BB962C8B-B14F-4D97-AF65-F5344CB8AC3E}">
+        <p14:creationId xmlns:p14="http://schemas.microsoft.com/office/powerpoint/2010/main" val="3049617348"/>
       </p:ext>
     </p:extLst>
   </p:cSld>
